--- a/Session6/Session6_MRamos.pptx
+++ b/Session6/Session6_MRamos.pptx
@@ -5,38 +5,39 @@
     <p:sldMasterId id="2147483648" r:id="rId1"/>
   </p:sldMasterIdLst>
   <p:notesMasterIdLst>
-    <p:notesMasterId r:id="rId31"/>
+    <p:notesMasterId r:id="rId32"/>
   </p:notesMasterIdLst>
   <p:sldIdLst>
     <p:sldId id="257" r:id="rId2"/>
-    <p:sldId id="258" r:id="rId3"/>
-    <p:sldId id="259" r:id="rId4"/>
-    <p:sldId id="260" r:id="rId5"/>
-    <p:sldId id="261" r:id="rId6"/>
-    <p:sldId id="262" r:id="rId7"/>
-    <p:sldId id="263" r:id="rId8"/>
-    <p:sldId id="264" r:id="rId9"/>
-    <p:sldId id="265" r:id="rId10"/>
-    <p:sldId id="266" r:id="rId11"/>
-    <p:sldId id="267" r:id="rId12"/>
-    <p:sldId id="268" r:id="rId13"/>
-    <p:sldId id="269" r:id="rId14"/>
-    <p:sldId id="270" r:id="rId15"/>
-    <p:sldId id="271" r:id="rId16"/>
-    <p:sldId id="272" r:id="rId17"/>
-    <p:sldId id="273" r:id="rId18"/>
-    <p:sldId id="274" r:id="rId19"/>
-    <p:sldId id="275" r:id="rId20"/>
-    <p:sldId id="276" r:id="rId21"/>
-    <p:sldId id="277" r:id="rId22"/>
-    <p:sldId id="278" r:id="rId23"/>
-    <p:sldId id="279" r:id="rId24"/>
-    <p:sldId id="280" r:id="rId25"/>
-    <p:sldId id="281" r:id="rId26"/>
-    <p:sldId id="282" r:id="rId27"/>
-    <p:sldId id="283" r:id="rId28"/>
-    <p:sldId id="284" r:id="rId29"/>
-    <p:sldId id="285" r:id="rId30"/>
+    <p:sldId id="286" r:id="rId3"/>
+    <p:sldId id="258" r:id="rId4"/>
+    <p:sldId id="259" r:id="rId5"/>
+    <p:sldId id="260" r:id="rId6"/>
+    <p:sldId id="261" r:id="rId7"/>
+    <p:sldId id="262" r:id="rId8"/>
+    <p:sldId id="263" r:id="rId9"/>
+    <p:sldId id="264" r:id="rId10"/>
+    <p:sldId id="265" r:id="rId11"/>
+    <p:sldId id="266" r:id="rId12"/>
+    <p:sldId id="267" r:id="rId13"/>
+    <p:sldId id="268" r:id="rId14"/>
+    <p:sldId id="269" r:id="rId15"/>
+    <p:sldId id="270" r:id="rId16"/>
+    <p:sldId id="271" r:id="rId17"/>
+    <p:sldId id="272" r:id="rId18"/>
+    <p:sldId id="273" r:id="rId19"/>
+    <p:sldId id="274" r:id="rId20"/>
+    <p:sldId id="275" r:id="rId21"/>
+    <p:sldId id="276" r:id="rId22"/>
+    <p:sldId id="277" r:id="rId23"/>
+    <p:sldId id="278" r:id="rId24"/>
+    <p:sldId id="279" r:id="rId25"/>
+    <p:sldId id="280" r:id="rId26"/>
+    <p:sldId id="281" r:id="rId27"/>
+    <p:sldId id="282" r:id="rId28"/>
+    <p:sldId id="283" r:id="rId29"/>
+    <p:sldId id="284" r:id="rId30"/>
+    <p:sldId id="285" r:id="rId31"/>
   </p:sldIdLst>
   <p:sldSz cx="9144000" cy="6858000" type="screen4x3"/>
   <p:notesSz cx="6858000" cy="9144000"/>
@@ -135,6 +136,22 @@
       </a:defRPr>
     </a:lvl9pPr>
   </p:defaultTextStyle>
+  <p:extLst>
+    <p:ext uri="{EFAFB233-063F-42B5-8137-9DF3F51BA10A}">
+      <p15:sldGuideLst xmlns:p15="http://schemas.microsoft.com/office/powerpoint/2012/main">
+        <p15:guide id="1" orient="horz" pos="2160">
+          <p15:clr>
+            <a:srgbClr val="A4A3A4"/>
+          </p15:clr>
+        </p15:guide>
+        <p15:guide id="2" pos="2880">
+          <p15:clr>
+            <a:srgbClr val="A4A3A4"/>
+          </p15:clr>
+        </p15:guide>
+      </p15:sldGuideLst>
+    </p:ext>
+  </p:extLst>
 </p:presentation>
 </file>
 
@@ -557,7 +574,7 @@
           <a:p>
             <a:fld id="{599423FD-17E1-4EC1-98E4-2C0FC27CEA4A}" type="slidenum">
               <a:rPr lang="en-US" smtClean="0"/>
-              <a:t>3</a:t>
+              <a:t>4</a:t>
             </a:fld>
             <a:endParaRPr lang="en-US"/>
           </a:p>
@@ -653,7 +670,7 @@
           <a:p>
             <a:fld id="{599423FD-17E1-4EC1-98E4-2C0FC27CEA4A}" type="slidenum">
               <a:rPr lang="en-US" smtClean="0"/>
-              <a:t>4</a:t>
+              <a:t>5</a:t>
             </a:fld>
             <a:endParaRPr lang="en-US"/>
           </a:p>
@@ -3718,10 +3735,534 @@
   <p:clrMapOvr>
     <a:masterClrMapping/>
   </p:clrMapOvr>
+  <p:timing>
+    <p:tnLst>
+      <p:par>
+        <p:cTn id="1" dur="indefinite" restart="never" nodeType="tmRoot"/>
+      </p:par>
+    </p:tnLst>
+  </p:timing>
 </p:sld>
 </file>
 
 <file path=ppt/slides/slide10.xml><?xml version="1.0" encoding="utf-8"?>
+<p:sld xmlns:a="http://schemas.openxmlformats.org/drawingml/2006/main" xmlns:r="http://schemas.openxmlformats.org/officeDocument/2006/relationships" xmlns:p="http://schemas.openxmlformats.org/presentationml/2006/main">
+  <p:cSld>
+    <p:spTree>
+      <p:nvGrpSpPr>
+        <p:cNvPr id="1" name=""/>
+        <p:cNvGrpSpPr/>
+        <p:nvPr/>
+      </p:nvGrpSpPr>
+      <p:grpSpPr>
+        <a:xfrm>
+          <a:off x="0" y="0"/>
+          <a:ext cx="0" cy="0"/>
+          <a:chOff x="0" y="0"/>
+          <a:chExt cx="0" cy="0"/>
+        </a:xfrm>
+      </p:grpSpPr>
+      <p:sp>
+        <p:nvSpPr>
+          <p:cNvPr id="2" name="Title 1"/>
+          <p:cNvSpPr>
+            <a:spLocks noGrp="1"/>
+          </p:cNvSpPr>
+          <p:nvPr>
+            <p:ph type="title"/>
+          </p:nvPr>
+        </p:nvSpPr>
+        <p:spPr/>
+        <p:txBody>
+          <a:bodyPr/>
+          <a:lstStyle/>
+          <a:p>
+            <a:r>
+              <a:rPr lang="en-US" dirty="0" smtClean="0"/>
+              <a:t>1.  Simple table</a:t>
+            </a:r>
+            <a:endParaRPr lang="en-US" dirty="0"/>
+          </a:p>
+        </p:txBody>
+      </p:sp>
+      <p:sp>
+        <p:nvSpPr>
+          <p:cNvPr id="3" name="Content Placeholder 2"/>
+          <p:cNvSpPr>
+            <a:spLocks noGrp="1"/>
+          </p:cNvSpPr>
+          <p:nvPr>
+            <p:ph idx="1"/>
+          </p:nvPr>
+        </p:nvSpPr>
+        <p:spPr>
+          <a:xfrm>
+            <a:off x="457200" y="1371600"/>
+            <a:ext cx="8229600" cy="4754563"/>
+          </a:xfrm>
+        </p:spPr>
+        <p:txBody>
+          <a:bodyPr/>
+          <a:lstStyle/>
+          <a:p>
+            <a:pPr marL="0" indent="0">
+              <a:buNone/>
+            </a:pPr>
+            <a:r>
+              <a:rPr lang="en-US" b="1" dirty="0" smtClean="0">
+                <a:solidFill>
+                  <a:srgbClr val="000080"/>
+                </a:solidFill>
+                <a:latin typeface="Courier New"/>
+              </a:rPr>
+              <a:t>PROC</a:t>
+            </a:r>
+            <a:r>
+              <a:rPr lang="en-US" b="0" dirty="0" smtClean="0">
+                <a:solidFill>
+                  <a:srgbClr val="000000"/>
+                </a:solidFill>
+                <a:latin typeface="Courier New"/>
+              </a:rPr>
+              <a:t> </a:t>
+            </a:r>
+            <a:r>
+              <a:rPr lang="en-US" b="1" dirty="0" smtClean="0">
+                <a:solidFill>
+                  <a:srgbClr val="000080"/>
+                </a:solidFill>
+                <a:latin typeface="Courier New"/>
+              </a:rPr>
+              <a:t>TABULATE</a:t>
+            </a:r>
+            <a:r>
+              <a:rPr lang="en-US" b="0" dirty="0" smtClean="0">
+                <a:solidFill>
+                  <a:srgbClr val="000000"/>
+                </a:solidFill>
+                <a:latin typeface="Courier New"/>
+              </a:rPr>
+              <a:t> </a:t>
+            </a:r>
+            <a:r>
+              <a:rPr lang="en-US" b="0" dirty="0" smtClean="0">
+                <a:solidFill>
+                  <a:srgbClr val="0000FF"/>
+                </a:solidFill>
+                <a:latin typeface="Courier New"/>
+              </a:rPr>
+              <a:t>DATA</a:t>
+            </a:r>
+            <a:r>
+              <a:rPr lang="en-US" b="0" dirty="0" smtClean="0">
+                <a:solidFill>
+                  <a:srgbClr val="000000"/>
+                </a:solidFill>
+                <a:latin typeface="Courier New"/>
+              </a:rPr>
+              <a:t>=chs11;</a:t>
+            </a:r>
+          </a:p>
+          <a:p>
+            <a:pPr marL="0" indent="0">
+              <a:buNone/>
+            </a:pPr>
+            <a:r>
+              <a:rPr lang="en-US" b="0" dirty="0" smtClean="0">
+                <a:solidFill>
+                  <a:srgbClr val="0000FF"/>
+                </a:solidFill>
+                <a:latin typeface="Courier New"/>
+              </a:rPr>
+              <a:t>VAR</a:t>
+            </a:r>
+            <a:r>
+              <a:rPr lang="en-US" b="0" dirty="0" smtClean="0">
+                <a:solidFill>
+                  <a:srgbClr val="000000"/>
+                </a:solidFill>
+                <a:latin typeface="Courier New"/>
+              </a:rPr>
+              <a:t> bmi;</a:t>
+            </a:r>
+          </a:p>
+          <a:p>
+            <a:pPr marL="0" indent="0">
+              <a:buNone/>
+            </a:pPr>
+            <a:r>
+              <a:rPr lang="en-US" b="0" dirty="0" smtClean="0">
+                <a:solidFill>
+                  <a:srgbClr val="0000FF"/>
+                </a:solidFill>
+                <a:latin typeface="Courier New"/>
+              </a:rPr>
+              <a:t>TABLE</a:t>
+            </a:r>
+            <a:r>
+              <a:rPr lang="en-US" b="0" dirty="0" smtClean="0">
+                <a:solidFill>
+                  <a:srgbClr val="000000"/>
+                </a:solidFill>
+                <a:latin typeface="Courier New"/>
+              </a:rPr>
+              <a:t> bmi;</a:t>
+            </a:r>
+          </a:p>
+          <a:p>
+            <a:pPr marL="0" indent="0">
+              <a:buNone/>
+            </a:pPr>
+            <a:r>
+              <a:rPr lang="en-US" b="1" dirty="0" smtClean="0">
+                <a:solidFill>
+                  <a:srgbClr val="000080"/>
+                </a:solidFill>
+                <a:latin typeface="Courier New"/>
+              </a:rPr>
+              <a:t>RUN</a:t>
+            </a:r>
+            <a:r>
+              <a:rPr lang="en-US" b="0" dirty="0" smtClean="0">
+                <a:solidFill>
+                  <a:srgbClr val="000000"/>
+                </a:solidFill>
+                <a:latin typeface="Courier New"/>
+              </a:rPr>
+              <a:t>;</a:t>
+            </a:r>
+            <a:endParaRPr lang="en-US" dirty="0">
+              <a:solidFill>
+                <a:srgbClr val="000000"/>
+              </a:solidFill>
+              <a:latin typeface="Courier New"/>
+            </a:endParaRPr>
+          </a:p>
+          <a:p>
+            <a:pPr marL="0" indent="0">
+              <a:buNone/>
+            </a:pPr>
+            <a:endParaRPr lang="en-US" dirty="0"/>
+          </a:p>
+        </p:txBody>
+      </p:sp>
+      <p:sp>
+        <p:nvSpPr>
+          <p:cNvPr id="5" name="TextBox 4"/>
+          <p:cNvSpPr txBox="1"/>
+          <p:nvPr/>
+        </p:nvSpPr>
+        <p:spPr>
+          <a:xfrm>
+            <a:off x="5562600" y="5141200"/>
+            <a:ext cx="3124200" cy="923330"/>
+          </a:xfrm>
+          <a:prstGeom prst="rect">
+            <a:avLst/>
+          </a:prstGeom>
+          <a:noFill/>
+        </p:spPr>
+        <p:txBody>
+          <a:bodyPr wrap="square" rtlCol="0">
+            <a:spAutoFit/>
+          </a:bodyPr>
+          <a:lstStyle/>
+          <a:p>
+            <a:r>
+              <a:rPr lang="en-US" b="1" dirty="0" smtClean="0">
+                <a:solidFill>
+                  <a:srgbClr val="FF0000"/>
+                </a:solidFill>
+              </a:rPr>
+              <a:t>Result has a single column, and SUM as the default statistic.</a:t>
+            </a:r>
+            <a:endParaRPr lang="en-US" b="1" dirty="0">
+              <a:solidFill>
+                <a:srgbClr val="FF0000"/>
+              </a:solidFill>
+            </a:endParaRPr>
+          </a:p>
+        </p:txBody>
+      </p:sp>
+      <p:graphicFrame>
+        <p:nvGraphicFramePr>
+          <p:cNvPr id="6" name="Table 5"/>
+          <p:cNvGraphicFramePr>
+            <a:graphicFrameLocks noGrp="1"/>
+          </p:cNvGraphicFramePr>
+          <p:nvPr>
+            <p:extLst>
+              <p:ext uri="{D42A27DB-BD31-4B8C-83A1-F6EECF244321}">
+                <p14:modId xmlns:p14="http://schemas.microsoft.com/office/powerpoint/2010/main" val="1053006385"/>
+              </p:ext>
+            </p:extLst>
+          </p:nvPr>
+        </p:nvGraphicFramePr>
+        <p:xfrm>
+          <a:off x="2895600" y="4800600"/>
+          <a:ext cx="2286000" cy="1199008"/>
+        </p:xfrm>
+        <a:graphic>
+          <a:graphicData uri="http://schemas.openxmlformats.org/drawingml/2006/table">
+            <a:tbl>
+              <a:tblPr/>
+              <a:tblGrid>
+                <a:gridCol w="2286000"/>
+              </a:tblGrid>
+              <a:tr h="299752">
+                <a:tc>
+                  <a:txBody>
+                    <a:bodyPr/>
+                    <a:lstStyle/>
+                    <a:p>
+                      <a:pPr algn="ctr" fontAlgn="t"/>
+                      <a:r>
+                        <a:rPr lang="en-US" sz="1200" b="1" i="0" u="none" strike="noStrike">
+                          <a:solidFill>
+                            <a:srgbClr val="002288"/>
+                          </a:solidFill>
+                          <a:effectLst/>
+                          <a:latin typeface="Arial"/>
+                        </a:rPr>
+                        <a:t>Body Mass Index (kg</a:t>
+                      </a:r>
+                    </a:p>
+                  </a:txBody>
+                  <a:tcPr marL="0" marR="0" marT="0" marB="0">
+                    <a:lnL w="12700" cap="flat" cmpd="sng" algn="ctr">
+                      <a:solidFill>
+                        <a:srgbClr val="000000"/>
+                      </a:solidFill>
+                      <a:prstDash val="solid"/>
+                      <a:round/>
+                      <a:headEnd type="none" w="med" len="med"/>
+                      <a:tailEnd type="none" w="med" len="med"/>
+                    </a:lnL>
+                    <a:lnR w="12700" cap="flat" cmpd="sng" algn="ctr">
+                      <a:solidFill>
+                        <a:srgbClr val="000000"/>
+                      </a:solidFill>
+                      <a:prstDash val="solid"/>
+                      <a:round/>
+                      <a:headEnd type="none" w="med" len="med"/>
+                      <a:tailEnd type="none" w="med" len="med"/>
+                    </a:lnR>
+                    <a:lnT w="12700" cap="flat" cmpd="sng" algn="ctr">
+                      <a:solidFill>
+                        <a:srgbClr val="000000"/>
+                      </a:solidFill>
+                      <a:prstDash val="solid"/>
+                      <a:round/>
+                      <a:headEnd type="none" w="med" len="med"/>
+                      <a:tailEnd type="none" w="med" len="med"/>
+                    </a:lnT>
+                    <a:lnB>
+                      <a:noFill/>
+                    </a:lnB>
+                    <a:solidFill>
+                      <a:srgbClr val="F0F0F0"/>
+                    </a:solidFill>
+                  </a:tcPr>
+                </a:tc>
+              </a:tr>
+              <a:tr h="299752">
+                <a:tc>
+                  <a:txBody>
+                    <a:bodyPr/>
+                    <a:lstStyle/>
+                    <a:p>
+                      <a:pPr algn="ctr" fontAlgn="t"/>
+                      <a:r>
+                        <a:rPr lang="en-US" sz="1200" b="1" i="0" u="none" strike="noStrike">
+                          <a:solidFill>
+                            <a:srgbClr val="002288"/>
+                          </a:solidFill>
+                          <a:effectLst/>
+                          <a:latin typeface="Arial"/>
+                        </a:rPr>
+                        <a:t>/ sq in)</a:t>
+                      </a:r>
+                    </a:p>
+                  </a:txBody>
+                  <a:tcPr marL="0" marR="0" marT="0" marB="0">
+                    <a:lnL w="12700" cap="flat" cmpd="sng" algn="ctr">
+                      <a:solidFill>
+                        <a:srgbClr val="000000"/>
+                      </a:solidFill>
+                      <a:prstDash val="solid"/>
+                      <a:round/>
+                      <a:headEnd type="none" w="med" len="med"/>
+                      <a:tailEnd type="none" w="med" len="med"/>
+                    </a:lnL>
+                    <a:lnR w="12700" cap="flat" cmpd="sng" algn="ctr">
+                      <a:solidFill>
+                        <a:srgbClr val="000000"/>
+                      </a:solidFill>
+                      <a:prstDash val="solid"/>
+                      <a:round/>
+                      <a:headEnd type="none" w="med" len="med"/>
+                      <a:tailEnd type="none" w="med" len="med"/>
+                    </a:lnR>
+                    <a:lnT>
+                      <a:noFill/>
+                    </a:lnT>
+                    <a:lnB w="6350" cap="flat" cmpd="sng" algn="ctr">
+                      <a:solidFill>
+                        <a:srgbClr val="000000"/>
+                      </a:solidFill>
+                      <a:prstDash val="solid"/>
+                      <a:round/>
+                      <a:headEnd type="none" w="med" len="med"/>
+                      <a:tailEnd type="none" w="med" len="med"/>
+                    </a:lnB>
+                    <a:solidFill>
+                      <a:srgbClr val="F0F0F0"/>
+                    </a:solidFill>
+                  </a:tcPr>
+                </a:tc>
+              </a:tr>
+              <a:tr h="299752">
+                <a:tc>
+                  <a:txBody>
+                    <a:bodyPr/>
+                    <a:lstStyle/>
+                    <a:p>
+                      <a:pPr algn="ctr" fontAlgn="t"/>
+                      <a:r>
+                        <a:rPr lang="en-US" sz="1200" b="1" i="0" u="none" strike="noStrike">
+                          <a:solidFill>
+                            <a:srgbClr val="002288"/>
+                          </a:solidFill>
+                          <a:effectLst/>
+                          <a:latin typeface="Arial"/>
+                        </a:rPr>
+                        <a:t>Sum</a:t>
+                      </a:r>
+                    </a:p>
+                  </a:txBody>
+                  <a:tcPr marL="0" marR="0" marT="0" marB="0">
+                    <a:lnL w="12700" cap="flat" cmpd="sng" algn="ctr">
+                      <a:solidFill>
+                        <a:srgbClr val="000000"/>
+                      </a:solidFill>
+                      <a:prstDash val="solid"/>
+                      <a:round/>
+                      <a:headEnd type="none" w="med" len="med"/>
+                      <a:tailEnd type="none" w="med" len="med"/>
+                    </a:lnL>
+                    <a:lnR w="12700" cap="flat" cmpd="sng" algn="ctr">
+                      <a:solidFill>
+                        <a:srgbClr val="000000"/>
+                      </a:solidFill>
+                      <a:prstDash val="solid"/>
+                      <a:round/>
+                      <a:headEnd type="none" w="med" len="med"/>
+                      <a:tailEnd type="none" w="med" len="med"/>
+                    </a:lnR>
+                    <a:lnT w="6350" cap="flat" cmpd="sng" algn="ctr">
+                      <a:solidFill>
+                        <a:srgbClr val="000000"/>
+                      </a:solidFill>
+                      <a:prstDash val="solid"/>
+                      <a:round/>
+                      <a:headEnd type="none" w="med" len="med"/>
+                      <a:tailEnd type="none" w="med" len="med"/>
+                    </a:lnT>
+                    <a:lnB w="6350" cap="flat" cmpd="sng" algn="ctr">
+                      <a:solidFill>
+                        <a:srgbClr val="000000"/>
+                      </a:solidFill>
+                      <a:prstDash val="solid"/>
+                      <a:round/>
+                      <a:headEnd type="none" w="med" len="med"/>
+                      <a:tailEnd type="none" w="med" len="med"/>
+                    </a:lnB>
+                    <a:solidFill>
+                      <a:srgbClr val="F0F0F0"/>
+                    </a:solidFill>
+                  </a:tcPr>
+                </a:tc>
+              </a:tr>
+              <a:tr h="299752">
+                <a:tc>
+                  <a:txBody>
+                    <a:bodyPr/>
+                    <a:lstStyle/>
+                    <a:p>
+                      <a:pPr algn="ctr" fontAlgn="t"/>
+                      <a:r>
+                        <a:rPr lang="en-US" sz="1200" b="0" i="0" u="none" strike="noStrike" dirty="0">
+                          <a:solidFill>
+                            <a:srgbClr val="002288"/>
+                          </a:solidFill>
+                          <a:effectLst/>
+                          <a:latin typeface="Arial"/>
+                        </a:rPr>
+                        <a:t>228453.11</a:t>
+                      </a:r>
+                    </a:p>
+                  </a:txBody>
+                  <a:tcPr marL="0" marR="0" marT="0" marB="0">
+                    <a:lnL w="12700" cap="flat" cmpd="sng" algn="ctr">
+                      <a:solidFill>
+                        <a:srgbClr val="000000"/>
+                      </a:solidFill>
+                      <a:prstDash val="solid"/>
+                      <a:round/>
+                      <a:headEnd type="none" w="med" len="med"/>
+                      <a:tailEnd type="none" w="med" len="med"/>
+                    </a:lnL>
+                    <a:lnR w="12700" cap="flat" cmpd="sng" algn="ctr">
+                      <a:solidFill>
+                        <a:srgbClr val="000000"/>
+                      </a:solidFill>
+                      <a:prstDash val="solid"/>
+                      <a:round/>
+                      <a:headEnd type="none" w="med" len="med"/>
+                      <a:tailEnd type="none" w="med" len="med"/>
+                    </a:lnR>
+                    <a:lnT w="6350" cap="flat" cmpd="sng" algn="ctr">
+                      <a:solidFill>
+                        <a:srgbClr val="000000"/>
+                      </a:solidFill>
+                      <a:prstDash val="solid"/>
+                      <a:round/>
+                      <a:headEnd type="none" w="med" len="med"/>
+                      <a:tailEnd type="none" w="med" len="med"/>
+                    </a:lnT>
+                    <a:lnB w="12700" cap="flat" cmpd="sng" algn="ctr">
+                      <a:solidFill>
+                        <a:srgbClr val="000000"/>
+                      </a:solidFill>
+                      <a:prstDash val="solid"/>
+                      <a:round/>
+                      <a:headEnd type="none" w="med" len="med"/>
+                      <a:tailEnd type="none" w="med" len="med"/>
+                    </a:lnB>
+                    <a:solidFill>
+                      <a:srgbClr val="F0F0F0"/>
+                    </a:solidFill>
+                  </a:tcPr>
+                </a:tc>
+              </a:tr>
+            </a:tbl>
+          </a:graphicData>
+        </a:graphic>
+      </p:graphicFrame>
+    </p:spTree>
+    <p:extLst>
+      <p:ext uri="{BB962C8B-B14F-4D97-AF65-F5344CB8AC3E}">
+        <p14:creationId xmlns:p14="http://schemas.microsoft.com/office/powerpoint/2010/main" val="477626952"/>
+      </p:ext>
+    </p:extLst>
+  </p:cSld>
+  <p:clrMapOvr>
+    <a:masterClrMapping/>
+  </p:clrMapOvr>
+</p:sld>
+</file>
+
+<file path=ppt/slides/slide11.xml><?xml version="1.0" encoding="utf-8"?>
 <p:sld xmlns:a="http://schemas.openxmlformats.org/drawingml/2006/main" xmlns:r="http://schemas.openxmlformats.org/officeDocument/2006/relationships" xmlns:p="http://schemas.openxmlformats.org/presentationml/2006/main">
   <p:cSld>
     <p:spTree>
@@ -4294,7 +4835,7 @@
 </p:sld>
 </file>
 
-<file path=ppt/slides/slide11.xml><?xml version="1.0" encoding="utf-8"?>
+<file path=ppt/slides/slide12.xml><?xml version="1.0" encoding="utf-8"?>
 <p:sld xmlns:a="http://schemas.openxmlformats.org/drawingml/2006/main" xmlns:r="http://schemas.openxmlformats.org/officeDocument/2006/relationships" xmlns:p="http://schemas.openxmlformats.org/presentationml/2006/main">
   <p:cSld>
     <p:spTree>
@@ -5076,7 +5617,7 @@
 </p:sld>
 </file>
 
-<file path=ppt/slides/slide12.xml><?xml version="1.0" encoding="utf-8"?>
+<file path=ppt/slides/slide13.xml><?xml version="1.0" encoding="utf-8"?>
 <p:sld xmlns:a="http://schemas.openxmlformats.org/drawingml/2006/main" xmlns:r="http://schemas.openxmlformats.org/officeDocument/2006/relationships" xmlns:p="http://schemas.openxmlformats.org/presentationml/2006/main">
   <p:cSld>
     <p:spTree>
@@ -5718,7 +6259,7 @@
 </p:sld>
 </file>
 
-<file path=ppt/slides/slide13.xml><?xml version="1.0" encoding="utf-8"?>
+<file path=ppt/slides/slide14.xml><?xml version="1.0" encoding="utf-8"?>
 <p:sld xmlns:a="http://schemas.openxmlformats.org/drawingml/2006/main" xmlns:r="http://schemas.openxmlformats.org/officeDocument/2006/relationships" xmlns:p="http://schemas.openxmlformats.org/presentationml/2006/main">
   <p:cSld>
     <p:spTree>
@@ -6769,7 +7310,7 @@
 </p:sld>
 </file>
 
-<file path=ppt/slides/slide14.xml><?xml version="1.0" encoding="utf-8"?>
+<file path=ppt/slides/slide15.xml><?xml version="1.0" encoding="utf-8"?>
 <p:sld xmlns:a="http://schemas.openxmlformats.org/drawingml/2006/main" xmlns:r="http://schemas.openxmlformats.org/officeDocument/2006/relationships" xmlns:p="http://schemas.openxmlformats.org/presentationml/2006/main">
   <p:cSld>
     <p:spTree>
@@ -7921,7 +8462,7 @@
 </p:sld>
 </file>
 
-<file path=ppt/slides/slide15.xml><?xml version="1.0" encoding="utf-8"?>
+<file path=ppt/slides/slide16.xml><?xml version="1.0" encoding="utf-8"?>
 <p:sld xmlns:a="http://schemas.openxmlformats.org/drawingml/2006/main" xmlns:r="http://schemas.openxmlformats.org/officeDocument/2006/relationships" xmlns:p="http://schemas.openxmlformats.org/presentationml/2006/main">
   <p:cSld>
     <p:spTree>
@@ -9540,7 +10081,7 @@
 </p:sld>
 </file>
 
-<file path=ppt/slides/slide16.xml><?xml version="1.0" encoding="utf-8"?>
+<file path=ppt/slides/slide17.xml><?xml version="1.0" encoding="utf-8"?>
 <p:sld xmlns:a="http://schemas.openxmlformats.org/drawingml/2006/main" xmlns:r="http://schemas.openxmlformats.org/officeDocument/2006/relationships" xmlns:p="http://schemas.openxmlformats.org/presentationml/2006/main">
   <p:cSld>
     <p:spTree>
@@ -12194,7 +12735,7 @@
 </p:sld>
 </file>
 
-<file path=ppt/slides/slide17.xml><?xml version="1.0" encoding="utf-8"?>
+<file path=ppt/slides/slide18.xml><?xml version="1.0" encoding="utf-8"?>
 <p:sld xmlns:a="http://schemas.openxmlformats.org/drawingml/2006/main" xmlns:r="http://schemas.openxmlformats.org/officeDocument/2006/relationships" xmlns:p="http://schemas.openxmlformats.org/presentationml/2006/main">
   <p:cSld>
     <p:spTree>
@@ -17234,7 +17775,7 @@
 </p:sld>
 </file>
 
-<file path=ppt/slides/slide18.xml><?xml version="1.0" encoding="utf-8"?>
+<file path=ppt/slides/slide19.xml><?xml version="1.0" encoding="utf-8"?>
 <p:sld xmlns:a="http://schemas.openxmlformats.org/drawingml/2006/main" xmlns:r="http://schemas.openxmlformats.org/officeDocument/2006/relationships" xmlns:p="http://schemas.openxmlformats.org/presentationml/2006/main">
   <p:cSld>
     <p:spTree>
@@ -22286,7 +22827,192 @@
 </p:sld>
 </file>
 
-<file path=ppt/slides/slide19.xml><?xml version="1.0" encoding="utf-8"?>
+<file path=ppt/slides/slide2.xml><?xml version="1.0" encoding="utf-8"?>
+<p:sld xmlns:a="http://schemas.openxmlformats.org/drawingml/2006/main" xmlns:r="http://schemas.openxmlformats.org/officeDocument/2006/relationships" xmlns:p="http://schemas.openxmlformats.org/presentationml/2006/main">
+  <p:cSld>
+    <p:spTree>
+      <p:nvGrpSpPr>
+        <p:cNvPr id="1" name=""/>
+        <p:cNvGrpSpPr/>
+        <p:nvPr/>
+      </p:nvGrpSpPr>
+      <p:grpSpPr>
+        <a:xfrm>
+          <a:off x="0" y="0"/>
+          <a:ext cx="0" cy="0"/>
+          <a:chOff x="0" y="0"/>
+          <a:chExt cx="0" cy="0"/>
+        </a:xfrm>
+      </p:grpSpPr>
+      <p:sp>
+        <p:nvSpPr>
+          <p:cNvPr id="2" name="Title 1"/>
+          <p:cNvSpPr>
+            <a:spLocks noGrp="1"/>
+          </p:cNvSpPr>
+          <p:nvPr>
+            <p:ph type="title"/>
+          </p:nvPr>
+        </p:nvSpPr>
+        <p:spPr/>
+        <p:txBody>
+          <a:bodyPr/>
+          <a:lstStyle/>
+          <a:p>
+            <a:r>
+              <a:rPr lang="en-US" dirty="0" smtClean="0"/>
+              <a:t>Notes</a:t>
+            </a:r>
+            <a:endParaRPr lang="en-US" dirty="0"/>
+          </a:p>
+        </p:txBody>
+      </p:sp>
+      <p:sp>
+        <p:nvSpPr>
+          <p:cNvPr id="3" name="Content Placeholder 2"/>
+          <p:cNvSpPr>
+            <a:spLocks noGrp="1"/>
+          </p:cNvSpPr>
+          <p:nvPr>
+            <p:ph idx="1"/>
+          </p:nvPr>
+        </p:nvSpPr>
+        <p:spPr/>
+        <p:txBody>
+          <a:bodyPr/>
+          <a:lstStyle/>
+          <a:p>
+            <a:pPr marL="0" indent="0">
+              <a:buNone/>
+            </a:pPr>
+            <a:r>
+              <a:rPr lang="en-US" dirty="0" smtClean="0"/>
+              <a:t>Data </a:t>
+            </a:r>
+            <a:r>
+              <a:rPr lang="en-US" dirty="0" err="1" smtClean="0"/>
+              <a:t>mydata</a:t>
+            </a:r>
+            <a:r>
+              <a:rPr lang="en-US" dirty="0" smtClean="0"/>
+              <a:t>; </a:t>
+            </a:r>
+          </a:p>
+          <a:p>
+            <a:pPr marL="0" indent="0">
+              <a:buNone/>
+            </a:pPr>
+            <a:r>
+              <a:rPr lang="en-US" dirty="0" smtClean="0"/>
+              <a:t>Set </a:t>
+            </a:r>
+            <a:r>
+              <a:rPr lang="en-US" dirty="0" err="1" smtClean="0"/>
+              <a:t>libref.dataset</a:t>
+            </a:r>
+            <a:r>
+              <a:rPr lang="en-US" dirty="0" smtClean="0"/>
+              <a:t>; </a:t>
+            </a:r>
+          </a:p>
+          <a:p>
+            <a:pPr marL="0" indent="0">
+              <a:buNone/>
+            </a:pPr>
+            <a:r>
+              <a:rPr lang="en-US" dirty="0" smtClean="0"/>
+              <a:t>Newvar1 = </a:t>
+            </a:r>
+            <a:r>
+              <a:rPr lang="en-US" dirty="0" err="1" smtClean="0"/>
+              <a:t>variableName</a:t>
+            </a:r>
+            <a:endParaRPr lang="en-US" dirty="0" smtClean="0"/>
+          </a:p>
+          <a:p>
+            <a:pPr marL="0" indent="0">
+              <a:buNone/>
+            </a:pPr>
+            <a:r>
+              <a:rPr lang="en-US" dirty="0" smtClean="0"/>
+              <a:t>Newvar2 = “</a:t>
+            </a:r>
+            <a:r>
+              <a:rPr lang="en-US" dirty="0" err="1" smtClean="0"/>
+              <a:t>variableName</a:t>
+            </a:r>
+            <a:r>
+              <a:rPr lang="en-US" dirty="0" smtClean="0"/>
+              <a:t>”</a:t>
+            </a:r>
+          </a:p>
+          <a:p>
+            <a:pPr marL="0" indent="0">
+              <a:buNone/>
+            </a:pPr>
+            <a:r>
+              <a:rPr lang="en-US" dirty="0" smtClean="0"/>
+              <a:t>logVar1 = function(</a:t>
+            </a:r>
+            <a:r>
+              <a:rPr lang="en-US" dirty="0" err="1" smtClean="0"/>
+              <a:t>variblename</a:t>
+            </a:r>
+            <a:r>
+              <a:rPr lang="en-US" dirty="0" smtClean="0"/>
+              <a:t>)</a:t>
+            </a:r>
+          </a:p>
+          <a:p>
+            <a:pPr marL="0" indent="0">
+              <a:buNone/>
+            </a:pPr>
+            <a:r>
+              <a:rPr lang="en-US" dirty="0" smtClean="0"/>
+              <a:t>logVar2 = function(“</a:t>
+            </a:r>
+            <a:r>
+              <a:rPr lang="en-US" dirty="0" err="1" smtClean="0"/>
+              <a:t>variablename</a:t>
+            </a:r>
+            <a:r>
+              <a:rPr lang="en-US" dirty="0" smtClean="0"/>
+              <a:t>”); </a:t>
+            </a:r>
+          </a:p>
+          <a:p>
+            <a:pPr marL="0" indent="0">
+              <a:buNone/>
+            </a:pPr>
+            <a:r>
+              <a:rPr lang="en-US" dirty="0" smtClean="0"/>
+              <a:t>Run; </a:t>
+            </a:r>
+            <a:endParaRPr lang="en-US" dirty="0"/>
+          </a:p>
+        </p:txBody>
+      </p:sp>
+    </p:spTree>
+    <p:extLst>
+      <p:ext uri="{BB962C8B-B14F-4D97-AF65-F5344CB8AC3E}">
+        <p14:creationId xmlns:p14="http://schemas.microsoft.com/office/powerpoint/2010/main" val="2979200373"/>
+      </p:ext>
+    </p:extLst>
+  </p:cSld>
+  <p:clrMapOvr>
+    <a:masterClrMapping/>
+  </p:clrMapOvr>
+  <p:timing>
+    <p:tnLst>
+      <p:par>
+        <p:cTn id="1" dur="indefinite" restart="never" nodeType="tmRoot"/>
+      </p:par>
+    </p:tnLst>
+  </p:timing>
+</p:sld>
+</file>
+
+<file path=ppt/slides/slide20.xml><?xml version="1.0" encoding="utf-8"?>
 <p:sld xmlns:a="http://schemas.openxmlformats.org/drawingml/2006/main" xmlns:r="http://schemas.openxmlformats.org/officeDocument/2006/relationships" xmlns:p="http://schemas.openxmlformats.org/presentationml/2006/main">
   <p:cSld>
     <p:spTree>
@@ -24147,89 +24873,7 @@
 </p:sld>
 </file>
 
-<file path=ppt/slides/slide2.xml><?xml version="1.0" encoding="utf-8"?>
-<p:sld xmlns:a="http://schemas.openxmlformats.org/drawingml/2006/main" xmlns:r="http://schemas.openxmlformats.org/officeDocument/2006/relationships" xmlns:p="http://schemas.openxmlformats.org/presentationml/2006/main">
-  <p:cSld>
-    <p:spTree>
-      <p:nvGrpSpPr>
-        <p:cNvPr id="1" name=""/>
-        <p:cNvGrpSpPr/>
-        <p:nvPr/>
-      </p:nvGrpSpPr>
-      <p:grpSpPr>
-        <a:xfrm>
-          <a:off x="0" y="0"/>
-          <a:ext cx="0" cy="0"/>
-          <a:chOff x="0" y="0"/>
-          <a:chExt cx="0" cy="0"/>
-        </a:xfrm>
-      </p:grpSpPr>
-      <p:sp>
-        <p:nvSpPr>
-          <p:cNvPr id="2" name="Title 1"/>
-          <p:cNvSpPr>
-            <a:spLocks noGrp="1"/>
-          </p:cNvSpPr>
-          <p:nvPr>
-            <p:ph type="title"/>
-          </p:nvPr>
-        </p:nvSpPr>
-        <p:spPr/>
-        <p:txBody>
-          <a:bodyPr/>
-          <a:lstStyle/>
-          <a:p>
-            <a:r>
-              <a:rPr lang="en-US" dirty="0" smtClean="0"/>
-              <a:t>Outline for today</a:t>
-            </a:r>
-            <a:endParaRPr lang="en-US" dirty="0"/>
-          </a:p>
-        </p:txBody>
-      </p:sp>
-      <p:sp>
-        <p:nvSpPr>
-          <p:cNvPr id="3" name="Content Placeholder 2"/>
-          <p:cNvSpPr>
-            <a:spLocks noGrp="1"/>
-          </p:cNvSpPr>
-          <p:nvPr>
-            <p:ph idx="1"/>
-          </p:nvPr>
-        </p:nvSpPr>
-        <p:spPr/>
-        <p:txBody>
-          <a:bodyPr/>
-          <a:lstStyle/>
-          <a:p>
-            <a:r>
-              <a:rPr lang="en-US" dirty="0" smtClean="0"/>
-              <a:t>Proc import</a:t>
-            </a:r>
-          </a:p>
-          <a:p>
-            <a:r>
-              <a:rPr lang="en-US" dirty="0" smtClean="0"/>
-              <a:t>Proc tabulate</a:t>
-            </a:r>
-            <a:endParaRPr lang="en-US" dirty="0"/>
-          </a:p>
-        </p:txBody>
-      </p:sp>
-    </p:spTree>
-    <p:extLst>
-      <p:ext uri="{BB962C8B-B14F-4D97-AF65-F5344CB8AC3E}">
-        <p14:creationId xmlns:p14="http://schemas.microsoft.com/office/powerpoint/2010/main" val="394364871"/>
-      </p:ext>
-    </p:extLst>
-  </p:cSld>
-  <p:clrMapOvr>
-    <a:masterClrMapping/>
-  </p:clrMapOvr>
-</p:sld>
-</file>
-
-<file path=ppt/slides/slide20.xml><?xml version="1.0" encoding="utf-8"?>
+<file path=ppt/slides/slide21.xml><?xml version="1.0" encoding="utf-8"?>
 <p:sld xmlns:a="http://schemas.openxmlformats.org/drawingml/2006/main" xmlns:r="http://schemas.openxmlformats.org/officeDocument/2006/relationships" xmlns:p="http://schemas.openxmlformats.org/presentationml/2006/main">
   <p:cSld>
     <p:spTree>
@@ -25851,7 +26495,7 @@
 </p:sld>
 </file>
 
-<file path=ppt/slides/slide21.xml><?xml version="1.0" encoding="utf-8"?>
+<file path=ppt/slides/slide22.xml><?xml version="1.0" encoding="utf-8"?>
 <p:sld xmlns:a="http://schemas.openxmlformats.org/drawingml/2006/main" xmlns:r="http://schemas.openxmlformats.org/officeDocument/2006/relationships" xmlns:p="http://schemas.openxmlformats.org/presentationml/2006/main">
   <p:cSld>
     <p:spTree>
@@ -28119,7 +28763,7 @@
 </p:sld>
 </file>
 
-<file path=ppt/slides/slide22.xml><?xml version="1.0" encoding="utf-8"?>
+<file path=ppt/slides/slide23.xml><?xml version="1.0" encoding="utf-8"?>
 <p:sld xmlns:a="http://schemas.openxmlformats.org/drawingml/2006/main" xmlns:r="http://schemas.openxmlformats.org/officeDocument/2006/relationships" xmlns:p="http://schemas.openxmlformats.org/presentationml/2006/main">
   <p:cSld>
     <p:spTree>
@@ -28473,7 +29117,7 @@
 </p:sld>
 </file>
 
-<file path=ppt/slides/slide23.xml><?xml version="1.0" encoding="utf-8"?>
+<file path=ppt/slides/slide24.xml><?xml version="1.0" encoding="utf-8"?>
 <p:sld xmlns:a="http://schemas.openxmlformats.org/drawingml/2006/main" xmlns:r="http://schemas.openxmlformats.org/officeDocument/2006/relationships" xmlns:p="http://schemas.openxmlformats.org/presentationml/2006/main">
   <p:cSld>
     <p:spTree>
@@ -32620,7 +33264,7 @@
 </p:sld>
 </file>
 
-<file path=ppt/slides/slide24.xml><?xml version="1.0" encoding="utf-8"?>
+<file path=ppt/slides/slide25.xml><?xml version="1.0" encoding="utf-8"?>
 <p:sld xmlns:a="http://schemas.openxmlformats.org/drawingml/2006/main" xmlns:r="http://schemas.openxmlformats.org/officeDocument/2006/relationships" xmlns:p="http://schemas.openxmlformats.org/presentationml/2006/main">
   <p:cSld>
     <p:spTree>
@@ -36731,7 +37375,7 @@
 </p:sld>
 </file>
 
-<file path=ppt/slides/slide25.xml><?xml version="1.0" encoding="utf-8"?>
+<file path=ppt/slides/slide26.xml><?xml version="1.0" encoding="utf-8"?>
 <p:sld xmlns:a="http://schemas.openxmlformats.org/drawingml/2006/main" xmlns:r="http://schemas.openxmlformats.org/officeDocument/2006/relationships" xmlns:p="http://schemas.openxmlformats.org/presentationml/2006/main">
   <p:cSld>
     <p:spTree>
@@ -38802,7 +39446,7 @@
 </p:sld>
 </file>
 
-<file path=ppt/slides/slide26.xml><?xml version="1.0" encoding="utf-8"?>
+<file path=ppt/slides/slide27.xml><?xml version="1.0" encoding="utf-8"?>
 <p:sld xmlns:a="http://schemas.openxmlformats.org/drawingml/2006/main" xmlns:r="http://schemas.openxmlformats.org/officeDocument/2006/relationships" xmlns:p="http://schemas.openxmlformats.org/presentationml/2006/main">
   <p:cSld>
     <p:spTree>
@@ -41065,7 +41709,7 @@
 </p:sld>
 </file>
 
-<file path=ppt/slides/slide27.xml><?xml version="1.0" encoding="utf-8"?>
+<file path=ppt/slides/slide28.xml><?xml version="1.0" encoding="utf-8"?>
 <p:sld xmlns:a="http://schemas.openxmlformats.org/drawingml/2006/main" xmlns:r="http://schemas.openxmlformats.org/officeDocument/2006/relationships" xmlns:p="http://schemas.openxmlformats.org/presentationml/2006/main">
   <p:cSld>
     <p:spTree>
@@ -42655,7 +43299,7 @@
 </p:sld>
 </file>
 
-<file path=ppt/slides/slide28.xml><?xml version="1.0" encoding="utf-8"?>
+<file path=ppt/slides/slide29.xml><?xml version="1.0" encoding="utf-8"?>
 <p:sld xmlns:a="http://schemas.openxmlformats.org/drawingml/2006/main" xmlns:r="http://schemas.openxmlformats.org/officeDocument/2006/relationships" xmlns:p="http://schemas.openxmlformats.org/presentationml/2006/main">
   <p:cSld>
     <p:spTree>
@@ -44344,7 +44988,96 @@
 </p:sld>
 </file>
 
-<file path=ppt/slides/slide29.xml><?xml version="1.0" encoding="utf-8"?>
+<file path=ppt/slides/slide3.xml><?xml version="1.0" encoding="utf-8"?>
+<p:sld xmlns:a="http://schemas.openxmlformats.org/drawingml/2006/main" xmlns:r="http://schemas.openxmlformats.org/officeDocument/2006/relationships" xmlns:p="http://schemas.openxmlformats.org/presentationml/2006/main">
+  <p:cSld>
+    <p:spTree>
+      <p:nvGrpSpPr>
+        <p:cNvPr id="1" name=""/>
+        <p:cNvGrpSpPr/>
+        <p:nvPr/>
+      </p:nvGrpSpPr>
+      <p:grpSpPr>
+        <a:xfrm>
+          <a:off x="0" y="0"/>
+          <a:ext cx="0" cy="0"/>
+          <a:chOff x="0" y="0"/>
+          <a:chExt cx="0" cy="0"/>
+        </a:xfrm>
+      </p:grpSpPr>
+      <p:sp>
+        <p:nvSpPr>
+          <p:cNvPr id="2" name="Title 1"/>
+          <p:cNvSpPr>
+            <a:spLocks noGrp="1"/>
+          </p:cNvSpPr>
+          <p:nvPr>
+            <p:ph type="title"/>
+          </p:nvPr>
+        </p:nvSpPr>
+        <p:spPr/>
+        <p:txBody>
+          <a:bodyPr/>
+          <a:lstStyle/>
+          <a:p>
+            <a:r>
+              <a:rPr lang="en-US" dirty="0" smtClean="0"/>
+              <a:t>Outline for today</a:t>
+            </a:r>
+            <a:endParaRPr lang="en-US" dirty="0"/>
+          </a:p>
+        </p:txBody>
+      </p:sp>
+      <p:sp>
+        <p:nvSpPr>
+          <p:cNvPr id="3" name="Content Placeholder 2"/>
+          <p:cNvSpPr>
+            <a:spLocks noGrp="1"/>
+          </p:cNvSpPr>
+          <p:nvPr>
+            <p:ph idx="1"/>
+          </p:nvPr>
+        </p:nvSpPr>
+        <p:spPr/>
+        <p:txBody>
+          <a:bodyPr/>
+          <a:lstStyle/>
+          <a:p>
+            <a:r>
+              <a:rPr lang="en-US" dirty="0" smtClean="0"/>
+              <a:t>Proc import</a:t>
+            </a:r>
+          </a:p>
+          <a:p>
+            <a:r>
+              <a:rPr lang="en-US" dirty="0" smtClean="0"/>
+              <a:t>Proc tabulate</a:t>
+            </a:r>
+            <a:endParaRPr lang="en-US" dirty="0"/>
+          </a:p>
+        </p:txBody>
+      </p:sp>
+    </p:spTree>
+    <p:extLst>
+      <p:ext uri="{BB962C8B-B14F-4D97-AF65-F5344CB8AC3E}">
+        <p14:creationId xmlns:p14="http://schemas.microsoft.com/office/powerpoint/2010/main" val="394364871"/>
+      </p:ext>
+    </p:extLst>
+  </p:cSld>
+  <p:clrMapOvr>
+    <a:masterClrMapping/>
+  </p:clrMapOvr>
+  <p:timing>
+    <p:tnLst>
+      <p:par>
+        <p:cTn id="1" dur="indefinite" restart="never" nodeType="tmRoot"/>
+      </p:par>
+    </p:tnLst>
+  </p:timing>
+</p:sld>
+</file>
+
+<file path=ppt/slides/slide30.xml><?xml version="1.0" encoding="utf-8"?>
 <p:sld xmlns:a="http://schemas.openxmlformats.org/drawingml/2006/main" xmlns:r="http://schemas.openxmlformats.org/officeDocument/2006/relationships" xmlns:p="http://schemas.openxmlformats.org/presentationml/2006/main">
   <p:cSld>
     <p:spTree>
@@ -46030,201 +46763,6 @@
 </p:sld>
 </file>
 
-<file path=ppt/slides/slide3.xml><?xml version="1.0" encoding="utf-8"?>
-<p:sld xmlns:a="http://schemas.openxmlformats.org/drawingml/2006/main" xmlns:r="http://schemas.openxmlformats.org/officeDocument/2006/relationships" xmlns:p="http://schemas.openxmlformats.org/presentationml/2006/main">
-  <p:cSld>
-    <p:spTree>
-      <p:nvGrpSpPr>
-        <p:cNvPr id="1" name=""/>
-        <p:cNvGrpSpPr/>
-        <p:nvPr/>
-      </p:nvGrpSpPr>
-      <p:grpSpPr>
-        <a:xfrm>
-          <a:off x="0" y="0"/>
-          <a:ext cx="0" cy="0"/>
-          <a:chOff x="0" y="0"/>
-          <a:chExt cx="0" cy="0"/>
-        </a:xfrm>
-      </p:grpSpPr>
-      <p:sp>
-        <p:nvSpPr>
-          <p:cNvPr id="2" name="Title 1"/>
-          <p:cNvSpPr>
-            <a:spLocks noGrp="1"/>
-          </p:cNvSpPr>
-          <p:nvPr>
-            <p:ph type="title"/>
-          </p:nvPr>
-        </p:nvSpPr>
-        <p:spPr/>
-        <p:txBody>
-          <a:bodyPr/>
-          <a:lstStyle/>
-          <a:p>
-            <a:r>
-              <a:rPr lang="en-US" dirty="0" smtClean="0"/>
-              <a:t>Proc import</a:t>
-            </a:r>
-            <a:endParaRPr lang="en-US" dirty="0"/>
-          </a:p>
-        </p:txBody>
-      </p:sp>
-      <p:sp>
-        <p:nvSpPr>
-          <p:cNvPr id="3" name="Content Placeholder 2"/>
-          <p:cNvSpPr>
-            <a:spLocks noGrp="1"/>
-          </p:cNvSpPr>
-          <p:nvPr>
-            <p:ph idx="1"/>
-          </p:nvPr>
-        </p:nvSpPr>
-        <p:spPr>
-          <a:xfrm>
-            <a:off x="152400" y="1600200"/>
-            <a:ext cx="8915400" cy="4953000"/>
-          </a:xfrm>
-        </p:spPr>
-        <p:txBody>
-          <a:bodyPr>
-            <a:normAutofit fontScale="92500" lnSpcReduction="10000"/>
-          </a:bodyPr>
-          <a:lstStyle/>
-          <a:p>
-            <a:r>
-              <a:rPr lang="en-US" sz="2600" dirty="0" smtClean="0"/>
-              <a:t>Imports an Excel file into SAS and makes it a dataset (</a:t>
-            </a:r>
-            <a:r>
-              <a:rPr lang="en-US" sz="2600" dirty="0" err="1" smtClean="0"/>
-              <a:t>bdat</a:t>
-            </a:r>
-            <a:r>
-              <a:rPr lang="en-US" sz="2600" dirty="0" smtClean="0"/>
-              <a:t>) file</a:t>
-            </a:r>
-          </a:p>
-          <a:p>
-            <a:endParaRPr lang="en-US" dirty="0"/>
-          </a:p>
-          <a:p>
-            <a:pPr marL="0" indent="0">
-              <a:buNone/>
-            </a:pPr>
-            <a:r>
-              <a:rPr lang="en-US" dirty="0" smtClean="0"/>
-              <a:t>PROC IMPORT DATAFILE = ‘location/filename’ </a:t>
-            </a:r>
-          </a:p>
-          <a:p>
-            <a:pPr marL="0" indent="0">
-              <a:buNone/>
-            </a:pPr>
-            <a:r>
-              <a:rPr lang="en-US" dirty="0" smtClean="0"/>
-              <a:t>OUT = dataset</a:t>
-            </a:r>
-          </a:p>
-          <a:p>
-            <a:pPr marL="0" indent="0">
-              <a:buNone/>
-            </a:pPr>
-            <a:r>
-              <a:rPr lang="en-US" dirty="0" smtClean="0"/>
-              <a:t>	DBMS = identifier  REPLACE;</a:t>
-            </a:r>
-          </a:p>
-          <a:p>
-            <a:pPr marL="0" indent="0">
-              <a:buNone/>
-            </a:pPr>
-            <a:endParaRPr lang="en-US" dirty="0"/>
-          </a:p>
-          <a:p>
-            <a:r>
-              <a:rPr lang="en-US" sz="2600" dirty="0" smtClean="0"/>
-              <a:t>Optional statements:</a:t>
-            </a:r>
-          </a:p>
-          <a:p>
-            <a:pPr marL="0" indent="0">
-              <a:buNone/>
-            </a:pPr>
-            <a:r>
-              <a:rPr lang="en-US" sz="2600" dirty="0"/>
-              <a:t>	</a:t>
-            </a:r>
-            <a:r>
-              <a:rPr lang="en-US" sz="2600" dirty="0" smtClean="0"/>
-              <a:t>-SHEET = “sheet-name”;</a:t>
-            </a:r>
-          </a:p>
-          <a:p>
-            <a:pPr marL="0" indent="0">
-              <a:buNone/>
-            </a:pPr>
-            <a:r>
-              <a:rPr lang="en-US" sz="2600" dirty="0"/>
-              <a:t>	</a:t>
-            </a:r>
-            <a:r>
-              <a:rPr lang="en-US" sz="2600" dirty="0" smtClean="0"/>
-              <a:t>-RANGE = “</a:t>
-            </a:r>
-            <a:r>
-              <a:rPr lang="en-US" sz="2600" dirty="0" err="1" smtClean="0"/>
-              <a:t>sheet-name$UL:LR</a:t>
-            </a:r>
-            <a:endParaRPr lang="en-US" sz="2600" dirty="0" smtClean="0"/>
-          </a:p>
-          <a:p>
-            <a:pPr marL="0" indent="0">
-              <a:buNone/>
-            </a:pPr>
-            <a:r>
-              <a:rPr lang="en-US" sz="2600" dirty="0"/>
-              <a:t>	</a:t>
-            </a:r>
-            <a:r>
-              <a:rPr lang="en-US" sz="2600" dirty="0" smtClean="0"/>
-              <a:t>-GETNAMES = no;</a:t>
-            </a:r>
-          </a:p>
-          <a:p>
-            <a:pPr marL="0" indent="0">
-              <a:buNone/>
-            </a:pPr>
-            <a:r>
-              <a:rPr lang="en-US" sz="2600" dirty="0"/>
-              <a:t>	</a:t>
-            </a:r>
-            <a:r>
-              <a:rPr lang="en-US" sz="2600" dirty="0" smtClean="0"/>
-              <a:t>-MIXED = yes;</a:t>
-            </a:r>
-          </a:p>
-          <a:p>
-            <a:pPr marL="0" indent="0">
-              <a:buNone/>
-            </a:pPr>
-            <a:endParaRPr lang="en-US" dirty="0" smtClean="0"/>
-          </a:p>
-        </p:txBody>
-      </p:sp>
-    </p:spTree>
-    <p:extLst>
-      <p:ext uri="{BB962C8B-B14F-4D97-AF65-F5344CB8AC3E}">
-        <p14:creationId xmlns:p14="http://schemas.microsoft.com/office/powerpoint/2010/main" val="4197586094"/>
-      </p:ext>
-    </p:extLst>
-  </p:cSld>
-  <p:clrMapOvr>
-    <a:masterClrMapping/>
-  </p:clrMapOvr>
-</p:sld>
-</file>
-
 <file path=ppt/slides/slide4.xml><?xml version="1.0" encoding="utf-8"?>
 <p:sld xmlns:a="http://schemas.openxmlformats.org/drawingml/2006/main" xmlns:r="http://schemas.openxmlformats.org/officeDocument/2006/relationships" xmlns:p="http://schemas.openxmlformats.org/presentationml/2006/main">
   <p:cSld>
@@ -46277,6 +46815,208 @@
         </p:nvSpPr>
         <p:spPr>
           <a:xfrm>
+            <a:off x="152400" y="1600200"/>
+            <a:ext cx="8915400" cy="4953000"/>
+          </a:xfrm>
+        </p:spPr>
+        <p:txBody>
+          <a:bodyPr>
+            <a:normAutofit fontScale="92500" lnSpcReduction="10000"/>
+          </a:bodyPr>
+          <a:lstStyle/>
+          <a:p>
+            <a:r>
+              <a:rPr lang="en-US" sz="2600" dirty="0" smtClean="0"/>
+              <a:t>Imports an Excel file into SAS and makes it a dataset (</a:t>
+            </a:r>
+            <a:r>
+              <a:rPr lang="en-US" sz="2600" dirty="0" err="1" smtClean="0"/>
+              <a:t>bdat</a:t>
+            </a:r>
+            <a:r>
+              <a:rPr lang="en-US" sz="2600" dirty="0" smtClean="0"/>
+              <a:t>) file</a:t>
+            </a:r>
+          </a:p>
+          <a:p>
+            <a:endParaRPr lang="en-US" dirty="0"/>
+          </a:p>
+          <a:p>
+            <a:pPr marL="0" indent="0">
+              <a:buNone/>
+            </a:pPr>
+            <a:r>
+              <a:rPr lang="en-US" dirty="0" smtClean="0"/>
+              <a:t>PROC IMPORT DATAFILE = ‘location/filename’ </a:t>
+            </a:r>
+          </a:p>
+          <a:p>
+            <a:pPr marL="0" indent="0">
+              <a:buNone/>
+            </a:pPr>
+            <a:r>
+              <a:rPr lang="en-US" dirty="0" smtClean="0"/>
+              <a:t>OUT = dataset</a:t>
+            </a:r>
+          </a:p>
+          <a:p>
+            <a:pPr marL="0" indent="0">
+              <a:buNone/>
+            </a:pPr>
+            <a:r>
+              <a:rPr lang="en-US" dirty="0" smtClean="0"/>
+              <a:t>	DBMS = identifier  REPLACE;</a:t>
+            </a:r>
+          </a:p>
+          <a:p>
+            <a:pPr marL="0" indent="0">
+              <a:buNone/>
+            </a:pPr>
+            <a:endParaRPr lang="en-US" dirty="0"/>
+          </a:p>
+          <a:p>
+            <a:r>
+              <a:rPr lang="en-US" sz="2600" dirty="0" smtClean="0"/>
+              <a:t>Optional statements:</a:t>
+            </a:r>
+          </a:p>
+          <a:p>
+            <a:pPr marL="0" indent="0">
+              <a:buNone/>
+            </a:pPr>
+            <a:r>
+              <a:rPr lang="en-US" sz="2600" dirty="0"/>
+              <a:t>	</a:t>
+            </a:r>
+            <a:r>
+              <a:rPr lang="en-US" sz="2600" dirty="0" smtClean="0"/>
+              <a:t>-SHEET = “sheet-name”;</a:t>
+            </a:r>
+          </a:p>
+          <a:p>
+            <a:pPr marL="0" indent="0">
+              <a:buNone/>
+            </a:pPr>
+            <a:r>
+              <a:rPr lang="en-US" sz="2600" dirty="0"/>
+              <a:t>	</a:t>
+            </a:r>
+            <a:r>
+              <a:rPr lang="en-US" sz="2600" dirty="0" smtClean="0"/>
+              <a:t>-RANGE = “</a:t>
+            </a:r>
+            <a:r>
+              <a:rPr lang="en-US" sz="2600" dirty="0" err="1" smtClean="0"/>
+              <a:t>sheet-name$UL:LR</a:t>
+            </a:r>
+            <a:endParaRPr lang="en-US" sz="2600" dirty="0" smtClean="0"/>
+          </a:p>
+          <a:p>
+            <a:pPr marL="0" indent="0">
+              <a:buNone/>
+            </a:pPr>
+            <a:r>
+              <a:rPr lang="en-US" sz="2600" dirty="0"/>
+              <a:t>	</a:t>
+            </a:r>
+            <a:r>
+              <a:rPr lang="en-US" sz="2600" dirty="0" smtClean="0"/>
+              <a:t>-GETNAMES = no;</a:t>
+            </a:r>
+          </a:p>
+          <a:p>
+            <a:pPr marL="0" indent="0">
+              <a:buNone/>
+            </a:pPr>
+            <a:r>
+              <a:rPr lang="en-US" sz="2600" dirty="0"/>
+              <a:t>	</a:t>
+            </a:r>
+            <a:r>
+              <a:rPr lang="en-US" sz="2600" dirty="0" smtClean="0"/>
+              <a:t>-MIXED = yes;</a:t>
+            </a:r>
+          </a:p>
+          <a:p>
+            <a:pPr marL="0" indent="0">
+              <a:buNone/>
+            </a:pPr>
+            <a:endParaRPr lang="en-US" dirty="0" smtClean="0"/>
+          </a:p>
+        </p:txBody>
+      </p:sp>
+    </p:spTree>
+    <p:extLst>
+      <p:ext uri="{BB962C8B-B14F-4D97-AF65-F5344CB8AC3E}">
+        <p14:creationId xmlns:p14="http://schemas.microsoft.com/office/powerpoint/2010/main" val="4197586094"/>
+      </p:ext>
+    </p:extLst>
+  </p:cSld>
+  <p:clrMapOvr>
+    <a:masterClrMapping/>
+  </p:clrMapOvr>
+  <p:timing>
+    <p:tnLst>
+      <p:par>
+        <p:cTn id="1" dur="indefinite" restart="never" nodeType="tmRoot"/>
+      </p:par>
+    </p:tnLst>
+  </p:timing>
+</p:sld>
+</file>
+
+<file path=ppt/slides/slide5.xml><?xml version="1.0" encoding="utf-8"?>
+<p:sld xmlns:a="http://schemas.openxmlformats.org/drawingml/2006/main" xmlns:r="http://schemas.openxmlformats.org/officeDocument/2006/relationships" xmlns:p="http://schemas.openxmlformats.org/presentationml/2006/main">
+  <p:cSld>
+    <p:spTree>
+      <p:nvGrpSpPr>
+        <p:cNvPr id="1" name=""/>
+        <p:cNvGrpSpPr/>
+        <p:nvPr/>
+      </p:nvGrpSpPr>
+      <p:grpSpPr>
+        <a:xfrm>
+          <a:off x="0" y="0"/>
+          <a:ext cx="0" cy="0"/>
+          <a:chOff x="0" y="0"/>
+          <a:chExt cx="0" cy="0"/>
+        </a:xfrm>
+      </p:grpSpPr>
+      <p:sp>
+        <p:nvSpPr>
+          <p:cNvPr id="2" name="Title 1"/>
+          <p:cNvSpPr>
+            <a:spLocks noGrp="1"/>
+          </p:cNvSpPr>
+          <p:nvPr>
+            <p:ph type="title"/>
+          </p:nvPr>
+        </p:nvSpPr>
+        <p:spPr/>
+        <p:txBody>
+          <a:bodyPr/>
+          <a:lstStyle/>
+          <a:p>
+            <a:r>
+              <a:rPr lang="en-US" dirty="0" smtClean="0"/>
+              <a:t>Proc import</a:t>
+            </a:r>
+            <a:endParaRPr lang="en-US" dirty="0"/>
+          </a:p>
+        </p:txBody>
+      </p:sp>
+      <p:sp>
+        <p:nvSpPr>
+          <p:cNvPr id="3" name="Content Placeholder 2"/>
+          <p:cNvSpPr>
+            <a:spLocks noGrp="1"/>
+          </p:cNvSpPr>
+          <p:nvPr>
+            <p:ph idx="1"/>
+          </p:nvPr>
+        </p:nvSpPr>
+        <p:spPr>
+          <a:xfrm>
             <a:off x="228600" y="1524000"/>
             <a:ext cx="8686800" cy="5029200"/>
           </a:xfrm>
@@ -46509,10 +47249,17 @@
   <p:clrMapOvr>
     <a:masterClrMapping/>
   </p:clrMapOvr>
+  <p:timing>
+    <p:tnLst>
+      <p:par>
+        <p:cTn id="1" dur="indefinite" restart="never" nodeType="tmRoot"/>
+      </p:par>
+    </p:tnLst>
+  </p:timing>
 </p:sld>
 </file>
 
-<file path=ppt/slides/slide5.xml><?xml version="1.0" encoding="utf-8"?>
+<file path=ppt/slides/slide6.xml><?xml version="1.0" encoding="utf-8"?>
 <p:sld xmlns:a="http://schemas.openxmlformats.org/drawingml/2006/main" xmlns:r="http://schemas.openxmlformats.org/officeDocument/2006/relationships" xmlns:p="http://schemas.openxmlformats.org/presentationml/2006/main">
   <p:cSld>
     <p:spTree>
@@ -46836,45 +47583,31 @@
               <a:t>DBMS </a:t>
             </a:r>
             <a:r>
-              <a:rPr lang="en-US" sz="2400" b="0" dirty="0" smtClean="0">
-                <a:solidFill>
-                  <a:srgbClr val="000000"/>
-                </a:solidFill>
-                <a:latin typeface="Calibri" panose="020F0502020204030204" pitchFamily="34" charset="0"/>
-              </a:rPr>
-              <a:t>= EXCEL </a:t>
-            </a:r>
-            <a:r>
-              <a:rPr lang="en-US" sz="2400" b="0" dirty="0" smtClean="0">
-                <a:solidFill>
-                  <a:srgbClr val="000000"/>
-                </a:solidFill>
-                <a:latin typeface="Calibri" panose="020F0502020204030204" pitchFamily="34" charset="0"/>
-              </a:rPr>
-              <a:t>REPLACE;</a:t>
-            </a:r>
-          </a:p>
-          <a:p>
-            <a:pPr marL="0" indent="0">
-              <a:buNone/>
-            </a:pPr>
-            <a:r>
-              <a:rPr lang="en-US" sz="2400" smtClean="0">
-                <a:solidFill>
-                  <a:srgbClr val="0000FF"/>
-                </a:solidFill>
-                <a:latin typeface="Calibri" panose="020F0502020204030204" pitchFamily="34" charset="0"/>
-              </a:rPr>
-              <a:t>GETNAMES</a:t>
-            </a:r>
-            <a:r>
               <a:rPr lang="en-US" sz="2400" b="0" smtClean="0">
                 <a:solidFill>
                   <a:srgbClr val="000000"/>
                 </a:solidFill>
                 <a:latin typeface="Calibri" panose="020F0502020204030204" pitchFamily="34" charset="0"/>
               </a:rPr>
-              <a:t>=YES</a:t>
+              <a:t>= </a:t>
+            </a:r>
+            <a:r>
+              <a:rPr lang="en-US" sz="2400" smtClean="0">
+                <a:solidFill>
+                  <a:srgbClr val="000000"/>
+                </a:solidFill>
+                <a:latin typeface="Calibri" panose="020F0502020204030204" pitchFamily="34" charset="0"/>
+              </a:rPr>
+              <a:t>XLSX </a:t>
+            </a:r>
+            <a:r>
+              <a:rPr lang="en-US" sz="2400" b="0" smtClean="0">
+                <a:solidFill>
+                  <a:srgbClr val="000000"/>
+                </a:solidFill>
+                <a:latin typeface="Calibri" panose="020F0502020204030204" pitchFamily="34" charset="0"/>
+              </a:rPr>
+              <a:t>REPLACE</a:t>
             </a:r>
             <a:r>
               <a:rPr lang="en-US" sz="2400" b="0" dirty="0" smtClean="0">
@@ -46884,6 +47617,29 @@
                 <a:latin typeface="Calibri" panose="020F0502020204030204" pitchFamily="34" charset="0"/>
               </a:rPr>
               <a:t>;</a:t>
+            </a:r>
+          </a:p>
+          <a:p>
+            <a:pPr marL="0" indent="0">
+              <a:buNone/>
+            </a:pPr>
+            <a:r>
+              <a:rPr lang="en-US" sz="2400" dirty="0" smtClean="0">
+                <a:solidFill>
+                  <a:srgbClr val="0000FF"/>
+                </a:solidFill>
+                <a:latin typeface="Calibri" panose="020F0502020204030204" pitchFamily="34" charset="0"/>
+              </a:rPr>
+              <a:t>GETNAMES</a:t>
+            </a:r>
+            <a:r>
+              <a:rPr lang="en-US" sz="2400" b="0" dirty="0" smtClean="0">
+                <a:solidFill>
+                  <a:srgbClr val="000000"/>
+                </a:solidFill>
+                <a:latin typeface="Calibri" panose="020F0502020204030204" pitchFamily="34" charset="0"/>
+              </a:rPr>
+              <a:t>=YES;</a:t>
             </a:r>
           </a:p>
           <a:p>
@@ -46927,110 +47683,13 @@
   <p:clrMapOvr>
     <a:masterClrMapping/>
   </p:clrMapOvr>
-</p:sld>
-</file>
-
-<file path=ppt/slides/slide6.xml><?xml version="1.0" encoding="utf-8"?>
-<p:sld xmlns:a="http://schemas.openxmlformats.org/drawingml/2006/main" xmlns:r="http://schemas.openxmlformats.org/officeDocument/2006/relationships" xmlns:p="http://schemas.openxmlformats.org/presentationml/2006/main">
-  <p:cSld>
-    <p:spTree>
-      <p:nvGrpSpPr>
-        <p:cNvPr id="1" name=""/>
-        <p:cNvGrpSpPr/>
-        <p:nvPr/>
-      </p:nvGrpSpPr>
-      <p:grpSpPr>
-        <a:xfrm>
-          <a:off x="0" y="0"/>
-          <a:ext cx="0" cy="0"/>
-          <a:chOff x="0" y="0"/>
-          <a:chExt cx="0" cy="0"/>
-        </a:xfrm>
-      </p:grpSpPr>
-      <p:sp>
-        <p:nvSpPr>
-          <p:cNvPr id="2" name="Title 1"/>
-          <p:cNvSpPr>
-            <a:spLocks noGrp="1"/>
-          </p:cNvSpPr>
-          <p:nvPr>
-            <p:ph type="title"/>
-          </p:nvPr>
-        </p:nvSpPr>
-        <p:spPr/>
-        <p:txBody>
-          <a:bodyPr/>
-          <a:lstStyle/>
-          <a:p>
-            <a:r>
-              <a:rPr lang="en-US" dirty="0" smtClean="0"/>
-              <a:t>Proc tabulate</a:t>
-            </a:r>
-            <a:endParaRPr lang="en-US" dirty="0"/>
-          </a:p>
-        </p:txBody>
-      </p:sp>
-      <p:sp>
-        <p:nvSpPr>
-          <p:cNvPr id="3" name="Content Placeholder 2"/>
-          <p:cNvSpPr>
-            <a:spLocks noGrp="1"/>
-          </p:cNvSpPr>
-          <p:nvPr>
-            <p:ph idx="1"/>
-          </p:nvPr>
-        </p:nvSpPr>
-        <p:spPr/>
-        <p:txBody>
-          <a:bodyPr/>
-          <a:lstStyle/>
-          <a:p>
-            <a:r>
-              <a:rPr lang="en-US" dirty="0" smtClean="0"/>
-              <a:t>Computes a variety of statistics and neatly packages results in a single table</a:t>
-            </a:r>
-          </a:p>
-          <a:p>
-            <a:r>
-              <a:rPr lang="en-US" dirty="0" smtClean="0"/>
-              <a:t>Very useful for producing reports</a:t>
-            </a:r>
-          </a:p>
-          <a:p>
-            <a:r>
-              <a:rPr lang="en-US" dirty="0" smtClean="0"/>
-              <a:t>Helps save time that would have been spent creating/editing tables manually</a:t>
-            </a:r>
-          </a:p>
-          <a:p>
-            <a:r>
-              <a:rPr lang="en-US" dirty="0" smtClean="0"/>
-              <a:t>Doesn’t do anything you can’t do with other </a:t>
-            </a:r>
-            <a:r>
-              <a:rPr lang="en-US" dirty="0" err="1" smtClean="0"/>
-              <a:t>procs</a:t>
-            </a:r>
-            <a:r>
-              <a:rPr lang="en-US" dirty="0" smtClean="0"/>
-              <a:t>, BUT the benefit is the output</a:t>
-            </a:r>
-          </a:p>
-          <a:p>
-            <a:endParaRPr lang="en-US" dirty="0"/>
-          </a:p>
-        </p:txBody>
-      </p:sp>
-    </p:spTree>
-    <p:extLst>
-      <p:ext uri="{BB962C8B-B14F-4D97-AF65-F5344CB8AC3E}">
-        <p14:creationId xmlns:p14="http://schemas.microsoft.com/office/powerpoint/2010/main" val="2442935796"/>
-      </p:ext>
-    </p:extLst>
-  </p:cSld>
-  <p:clrMapOvr>
-    <a:masterClrMapping/>
-  </p:clrMapOvr>
+  <p:timing>
+    <p:tnLst>
+      <p:par>
+        <p:cTn id="1" dur="indefinite" restart="never" nodeType="tmRoot"/>
+      </p:par>
+    </p:tnLst>
+  </p:timing>
 </p:sld>
 </file>
 
@@ -47084,112 +47743,64 @@
             <p:ph idx="1"/>
           </p:nvPr>
         </p:nvSpPr>
-        <p:spPr>
-          <a:xfrm>
-            <a:off x="152400" y="1600200"/>
-            <a:ext cx="8839200" cy="5029200"/>
-          </a:xfrm>
-        </p:spPr>
+        <p:spPr/>
         <p:txBody>
-          <a:bodyPr>
-            <a:normAutofit/>
-          </a:bodyPr>
+          <a:bodyPr/>
           <a:lstStyle/>
           <a:p>
             <a:r>
               <a:rPr lang="en-US" dirty="0" smtClean="0"/>
-              <a:t>Simplest possible table has 3 statements:</a:t>
+              <a:t>Computes a variety of statistics and neatly packages results in a single table</a:t>
             </a:r>
           </a:p>
           <a:p>
-            <a:pPr marL="971550" lvl="1" indent="-514350">
-              <a:buFont typeface="+mj-lt"/>
-              <a:buAutoNum type="arabicPeriod"/>
-            </a:pPr>
-            <a:r>
-              <a:rPr lang="en-US" u="sng" dirty="0" smtClean="0"/>
-              <a:t>PROC TABULATE</a:t>
-            </a:r>
             <a:r>
               <a:rPr lang="en-US" dirty="0" smtClean="0"/>
-              <a:t> statement</a:t>
+              <a:t>Very useful for producing reports</a:t>
             </a:r>
           </a:p>
           <a:p>
-            <a:pPr marL="971550" lvl="1" indent="-514350">
-              <a:buFont typeface="+mj-lt"/>
-              <a:buAutoNum type="arabicPeriod"/>
-            </a:pPr>
-            <a:r>
-              <a:rPr lang="en-US" u="sng" dirty="0" smtClean="0"/>
-              <a:t>CLASS or VAR statement</a:t>
-            </a:r>
             <a:r>
               <a:rPr lang="en-US" dirty="0" smtClean="0"/>
-              <a:t>:  Contains the variable being analyzed.</a:t>
+              <a:t>Helps save time that would have been spent creating/editing tables manually</a:t>
             </a:r>
           </a:p>
           <a:p>
-            <a:pPr marL="857250" lvl="2" indent="0">
-              <a:buNone/>
-            </a:pPr>
             <a:r>
               <a:rPr lang="en-US" dirty="0" smtClean="0"/>
-              <a:t>-VAR: analysis variable</a:t>
+              <a:t>Doesn’t do anything you can’t do with other </a:t>
+            </a:r>
+            <a:r>
+              <a:rPr lang="en-US" dirty="0" err="1" smtClean="0"/>
+              <a:t>procs</a:t>
+            </a:r>
+            <a:r>
+              <a:rPr lang="en-US" dirty="0" smtClean="0"/>
+              <a:t>, BUT the benefit is the output</a:t>
             </a:r>
           </a:p>
           <a:p>
-            <a:pPr marL="857250" lvl="2" indent="0">
-              <a:buNone/>
-            </a:pPr>
-            <a:r>
-              <a:rPr lang="en-US" dirty="0" smtClean="0"/>
-              <a:t>-CLASS:  classification variable, used to define categories</a:t>
-            </a:r>
-          </a:p>
-          <a:p>
-            <a:pPr marL="457200" lvl="1" indent="0">
-              <a:buNone/>
-            </a:pPr>
-            <a:r>
-              <a:rPr lang="en-US" dirty="0" smtClean="0"/>
-              <a:t>3.   </a:t>
-            </a:r>
-            <a:r>
-              <a:rPr lang="en-US" u="sng" dirty="0" smtClean="0"/>
-              <a:t>TABLE statement:</a:t>
-            </a:r>
-            <a:r>
-              <a:rPr lang="en-US" dirty="0" smtClean="0"/>
-              <a:t>  Describes which variables to 	use in the table and how to arrange them.</a:t>
-            </a:r>
-          </a:p>
-          <a:p>
-            <a:pPr marL="457200" lvl="1" indent="0">
-              <a:buNone/>
-            </a:pPr>
-            <a:endParaRPr lang="en-US" dirty="0" smtClean="0"/>
-          </a:p>
-          <a:p>
-            <a:endParaRPr lang="en-US" dirty="0" smtClean="0">
-              <a:solidFill>
-                <a:srgbClr val="000000"/>
-              </a:solidFill>
-              <a:latin typeface="Courier New"/>
-            </a:endParaRPr>
+            <a:endParaRPr lang="en-US" dirty="0"/>
           </a:p>
         </p:txBody>
       </p:sp>
     </p:spTree>
     <p:extLst>
       <p:ext uri="{BB962C8B-B14F-4D97-AF65-F5344CB8AC3E}">
-        <p14:creationId xmlns:p14="http://schemas.microsoft.com/office/powerpoint/2010/main" val="3945846971"/>
+        <p14:creationId xmlns:p14="http://schemas.microsoft.com/office/powerpoint/2010/main" val="2442935796"/>
       </p:ext>
     </p:extLst>
   </p:cSld>
   <p:clrMapOvr>
     <a:masterClrMapping/>
   </p:clrMapOvr>
+  <p:timing>
+    <p:tnLst>
+      <p:par>
+        <p:cTn id="1" dur="indefinite" restart="never" nodeType="tmRoot"/>
+      </p:par>
+    </p:tnLst>
+  </p:timing>
 </p:sld>
 </file>
 
@@ -47243,151 +47854,106 @@
             <p:ph idx="1"/>
           </p:nvPr>
         </p:nvSpPr>
-        <p:spPr/>
+        <p:spPr>
+          <a:xfrm>
+            <a:off x="152400" y="1600200"/>
+            <a:ext cx="8839200" cy="5029200"/>
+          </a:xfrm>
+        </p:spPr>
         <p:txBody>
-          <a:bodyPr/>
+          <a:bodyPr>
+            <a:normAutofit/>
+          </a:bodyPr>
           <a:lstStyle/>
           <a:p>
-            <a:pPr marL="0" indent="0">
+            <a:r>
+              <a:rPr lang="en-US" dirty="0" smtClean="0"/>
+              <a:t>Simplest possible table has 3 statements:</a:t>
+            </a:r>
+          </a:p>
+          <a:p>
+            <a:pPr marL="971550" lvl="1" indent="-514350">
+              <a:buFont typeface="+mj-lt"/>
+              <a:buAutoNum type="arabicPeriod"/>
+            </a:pPr>
+            <a:r>
+              <a:rPr lang="en-US" u="sng" dirty="0" smtClean="0"/>
+              <a:t>PROC TABULATE</a:t>
+            </a:r>
+            <a:r>
+              <a:rPr lang="en-US" dirty="0" smtClean="0"/>
+              <a:t> statement</a:t>
+            </a:r>
+          </a:p>
+          <a:p>
+            <a:pPr marL="971550" lvl="1" indent="-514350">
+              <a:buFont typeface="+mj-lt"/>
+              <a:buAutoNum type="arabicPeriod"/>
+            </a:pPr>
+            <a:r>
+              <a:rPr lang="en-US" u="sng" dirty="0" smtClean="0"/>
+              <a:t>CLASS or VAR statement</a:t>
+            </a:r>
+            <a:r>
+              <a:rPr lang="en-US" dirty="0" smtClean="0"/>
+              <a:t>:  Contains the variable being analyzed.</a:t>
+            </a:r>
+          </a:p>
+          <a:p>
+            <a:pPr marL="857250" lvl="2" indent="0">
               <a:buNone/>
             </a:pPr>
             <a:r>
-              <a:rPr lang="en-US" b="1" dirty="0" smtClean="0">
-                <a:solidFill>
-                  <a:srgbClr val="000080"/>
-                </a:solidFill>
-                <a:latin typeface="Courier New"/>
-              </a:rPr>
-              <a:t>PROC</a:t>
-            </a:r>
-            <a:r>
-              <a:rPr lang="en-US" b="0" dirty="0" smtClean="0">
-                <a:solidFill>
-                  <a:srgbClr val="000000"/>
-                </a:solidFill>
-                <a:latin typeface="Courier New"/>
-              </a:rPr>
-              <a:t> </a:t>
-            </a:r>
-            <a:r>
-              <a:rPr lang="en-US" b="1" dirty="0" smtClean="0">
-                <a:solidFill>
-                  <a:srgbClr val="000080"/>
-                </a:solidFill>
-                <a:latin typeface="Courier New"/>
-              </a:rPr>
-              <a:t>TABULATE</a:t>
-            </a:r>
-            <a:r>
-              <a:rPr lang="en-US" b="0" dirty="0" smtClean="0">
-                <a:solidFill>
-                  <a:srgbClr val="000000"/>
-                </a:solidFill>
-                <a:latin typeface="Courier New"/>
-              </a:rPr>
-              <a:t> </a:t>
-            </a:r>
-            <a:r>
-              <a:rPr lang="en-US" b="0" dirty="0" smtClean="0">
-                <a:solidFill>
-                  <a:srgbClr val="0000FF"/>
-                </a:solidFill>
-                <a:latin typeface="Courier New"/>
-              </a:rPr>
-              <a:t>DATA</a:t>
-            </a:r>
-            <a:r>
-              <a:rPr lang="en-US" b="0" dirty="0" smtClean="0">
-                <a:solidFill>
-                  <a:srgbClr val="000000"/>
-                </a:solidFill>
-                <a:latin typeface="Courier New"/>
-              </a:rPr>
-              <a:t>=dataset;</a:t>
+              <a:rPr lang="en-US" dirty="0" smtClean="0"/>
+              <a:t>-VAR: analysis variable</a:t>
             </a:r>
           </a:p>
           <a:p>
-            <a:pPr marL="0" indent="0">
+            <a:pPr marL="857250" lvl="2" indent="0">
               <a:buNone/>
             </a:pPr>
             <a:r>
-              <a:rPr lang="en-US" b="0" dirty="0" smtClean="0">
-                <a:solidFill>
-                  <a:srgbClr val="0000FF"/>
-                </a:solidFill>
-                <a:latin typeface="Courier New"/>
-              </a:rPr>
-              <a:t>VAR</a:t>
-            </a:r>
-            <a:r>
-              <a:rPr lang="en-US" b="0" dirty="0" smtClean="0">
-                <a:solidFill>
-                  <a:srgbClr val="000000"/>
-                </a:solidFill>
-                <a:latin typeface="Courier New"/>
-              </a:rPr>
-              <a:t> variable1;</a:t>
+              <a:rPr lang="en-US" dirty="0" smtClean="0"/>
+              <a:t>-CLASS:  classification variable, used to define categories</a:t>
             </a:r>
           </a:p>
           <a:p>
-            <a:pPr marL="0" indent="0">
+            <a:pPr marL="457200" lvl="1" indent="0">
               <a:buNone/>
             </a:pPr>
             <a:r>
-              <a:rPr lang="en-US" b="0" dirty="0" smtClean="0">
-                <a:solidFill>
-                  <a:srgbClr val="0000FF"/>
-                </a:solidFill>
-                <a:latin typeface="Courier New"/>
-              </a:rPr>
-              <a:t>TABLE</a:t>
-            </a:r>
-            <a:r>
-              <a:rPr lang="en-US" b="0" dirty="0" smtClean="0">
-                <a:solidFill>
-                  <a:srgbClr val="000000"/>
-                </a:solidFill>
-                <a:latin typeface="Courier New"/>
-              </a:rPr>
-              <a:t> variable1;</a:t>
+              <a:rPr lang="en-US" dirty="0" smtClean="0"/>
+              <a:t>3.   </a:t>
+            </a:r>
+            <a:r>
+              <a:rPr lang="en-US" u="sng" dirty="0" smtClean="0"/>
+              <a:t>TABLE statement:</a:t>
+            </a:r>
+            <a:r>
+              <a:rPr lang="en-US" dirty="0" smtClean="0"/>
+              <a:t>  Describes which variables to 	use in the table and how to arrange them.</a:t>
             </a:r>
           </a:p>
           <a:p>
-            <a:pPr marL="0" indent="0">
+            <a:pPr marL="457200" lvl="1" indent="0">
               <a:buNone/>
             </a:pPr>
-            <a:r>
-              <a:rPr lang="en-US" b="1" dirty="0" smtClean="0">
-                <a:solidFill>
-                  <a:srgbClr val="000080"/>
-                </a:solidFill>
-                <a:latin typeface="Courier New"/>
-              </a:rPr>
-              <a:t>RUN</a:t>
-            </a:r>
-            <a:r>
-              <a:rPr lang="en-US" b="0" dirty="0" smtClean="0">
-                <a:solidFill>
-                  <a:srgbClr val="000000"/>
-                </a:solidFill>
-                <a:latin typeface="Courier New"/>
-              </a:rPr>
-              <a:t>;</a:t>
-            </a:r>
             <a:endParaRPr lang="en-US" dirty="0" smtClean="0"/>
           </a:p>
           <a:p>
-            <a:pPr marL="0" indent="0">
-              <a:buNone/>
-            </a:pPr>
-            <a:endParaRPr lang="en-US" dirty="0"/>
+            <a:endParaRPr lang="en-US" dirty="0" smtClean="0">
+              <a:solidFill>
+                <a:srgbClr val="000000"/>
+              </a:solidFill>
+              <a:latin typeface="Courier New"/>
+            </a:endParaRPr>
           </a:p>
         </p:txBody>
       </p:sp>
     </p:spTree>
     <p:extLst>
       <p:ext uri="{BB962C8B-B14F-4D97-AF65-F5344CB8AC3E}">
-        <p14:creationId xmlns:p14="http://schemas.microsoft.com/office/powerpoint/2010/main" val="714306474"/>
+        <p14:creationId xmlns:p14="http://schemas.microsoft.com/office/powerpoint/2010/main" val="3945846971"/>
       </p:ext>
     </p:extLst>
   </p:cSld>
@@ -47431,7 +47997,7 @@
           <a:p>
             <a:r>
               <a:rPr lang="en-US" dirty="0" smtClean="0"/>
-              <a:t>1.  Simple table</a:t>
+              <a:t>Proc tabulate</a:t>
             </a:r>
             <a:endParaRPr lang="en-US" dirty="0"/>
           </a:p>
@@ -47447,12 +48013,7 @@
             <p:ph idx="1"/>
           </p:nvPr>
         </p:nvSpPr>
-        <p:spPr>
-          <a:xfrm>
-            <a:off x="457200" y="1371600"/>
-            <a:ext cx="8229600" cy="4754563"/>
-          </a:xfrm>
-        </p:spPr>
+        <p:spPr/>
         <p:txBody>
           <a:bodyPr/>
           <a:lstStyle/>
@@ -47512,7 +48073,7 @@
                 </a:solidFill>
                 <a:latin typeface="Courier New"/>
               </a:rPr>
-              <a:t>=chs11;</a:t>
+              <a:t>=dataset;</a:t>
             </a:r>
           </a:p>
           <a:p>
@@ -47535,7 +48096,7 @@
                 </a:solidFill>
                 <a:latin typeface="Courier New"/>
               </a:rPr>
-              <a:t> bmi;</a:t>
+              <a:t> variable1;</a:t>
             </a:r>
           </a:p>
           <a:p>
@@ -47558,7 +48119,7 @@
                 </a:solidFill>
                 <a:latin typeface="Courier New"/>
               </a:rPr>
-              <a:t> bmi;</a:t>
+              <a:t> variable1;</a:t>
             </a:r>
           </a:p>
           <a:p>
@@ -47583,12 +48144,7 @@
               </a:rPr>
               <a:t>;</a:t>
             </a:r>
-            <a:endParaRPr lang="en-US" dirty="0">
-              <a:solidFill>
-                <a:srgbClr val="000000"/>
-              </a:solidFill>
-              <a:latin typeface="Courier New"/>
-            </a:endParaRPr>
+            <a:endParaRPr lang="en-US" dirty="0" smtClean="0"/>
           </a:p>
           <a:p>
             <a:pPr marL="0" indent="0">
@@ -47598,313 +48154,10 @@
           </a:p>
         </p:txBody>
       </p:sp>
-      <p:sp>
-        <p:nvSpPr>
-          <p:cNvPr id="5" name="TextBox 4"/>
-          <p:cNvSpPr txBox="1"/>
-          <p:nvPr/>
-        </p:nvSpPr>
-        <p:spPr>
-          <a:xfrm>
-            <a:off x="5562600" y="5141200"/>
-            <a:ext cx="3124200" cy="923330"/>
-          </a:xfrm>
-          <a:prstGeom prst="rect">
-            <a:avLst/>
-          </a:prstGeom>
-          <a:noFill/>
-        </p:spPr>
-        <p:txBody>
-          <a:bodyPr wrap="square" rtlCol="0">
-            <a:spAutoFit/>
-          </a:bodyPr>
-          <a:lstStyle/>
-          <a:p>
-            <a:r>
-              <a:rPr lang="en-US" b="1" dirty="0" smtClean="0">
-                <a:solidFill>
-                  <a:srgbClr val="FF0000"/>
-                </a:solidFill>
-              </a:rPr>
-              <a:t>Result has a single column, and SUM as the default statistic.</a:t>
-            </a:r>
-            <a:endParaRPr lang="en-US" b="1" dirty="0">
-              <a:solidFill>
-                <a:srgbClr val="FF0000"/>
-              </a:solidFill>
-            </a:endParaRPr>
-          </a:p>
-        </p:txBody>
-      </p:sp>
-      <p:graphicFrame>
-        <p:nvGraphicFramePr>
-          <p:cNvPr id="6" name="Table 5"/>
-          <p:cNvGraphicFramePr>
-            <a:graphicFrameLocks noGrp="1"/>
-          </p:cNvGraphicFramePr>
-          <p:nvPr>
-            <p:extLst>
-              <p:ext uri="{D42A27DB-BD31-4B8C-83A1-F6EECF244321}">
-                <p14:modId xmlns:p14="http://schemas.microsoft.com/office/powerpoint/2010/main" val="1053006385"/>
-              </p:ext>
-            </p:extLst>
-          </p:nvPr>
-        </p:nvGraphicFramePr>
-        <p:xfrm>
-          <a:off x="2895600" y="4800600"/>
-          <a:ext cx="2286000" cy="1199008"/>
-        </p:xfrm>
-        <a:graphic>
-          <a:graphicData uri="http://schemas.openxmlformats.org/drawingml/2006/table">
-            <a:tbl>
-              <a:tblPr/>
-              <a:tblGrid>
-                <a:gridCol w="2286000"/>
-              </a:tblGrid>
-              <a:tr h="299752">
-                <a:tc>
-                  <a:txBody>
-                    <a:bodyPr/>
-                    <a:lstStyle/>
-                    <a:p>
-                      <a:pPr algn="ctr" fontAlgn="t"/>
-                      <a:r>
-                        <a:rPr lang="en-US" sz="1200" b="1" i="0" u="none" strike="noStrike">
-                          <a:solidFill>
-                            <a:srgbClr val="002288"/>
-                          </a:solidFill>
-                          <a:effectLst/>
-                          <a:latin typeface="Arial"/>
-                        </a:rPr>
-                        <a:t>Body Mass Index (kg</a:t>
-                      </a:r>
-                    </a:p>
-                  </a:txBody>
-                  <a:tcPr marL="0" marR="0" marT="0" marB="0">
-                    <a:lnL w="12700" cap="flat" cmpd="sng" algn="ctr">
-                      <a:solidFill>
-                        <a:srgbClr val="000000"/>
-                      </a:solidFill>
-                      <a:prstDash val="solid"/>
-                      <a:round/>
-                      <a:headEnd type="none" w="med" len="med"/>
-                      <a:tailEnd type="none" w="med" len="med"/>
-                    </a:lnL>
-                    <a:lnR w="12700" cap="flat" cmpd="sng" algn="ctr">
-                      <a:solidFill>
-                        <a:srgbClr val="000000"/>
-                      </a:solidFill>
-                      <a:prstDash val="solid"/>
-                      <a:round/>
-                      <a:headEnd type="none" w="med" len="med"/>
-                      <a:tailEnd type="none" w="med" len="med"/>
-                    </a:lnR>
-                    <a:lnT w="12700" cap="flat" cmpd="sng" algn="ctr">
-                      <a:solidFill>
-                        <a:srgbClr val="000000"/>
-                      </a:solidFill>
-                      <a:prstDash val="solid"/>
-                      <a:round/>
-                      <a:headEnd type="none" w="med" len="med"/>
-                      <a:tailEnd type="none" w="med" len="med"/>
-                    </a:lnT>
-                    <a:lnB>
-                      <a:noFill/>
-                    </a:lnB>
-                    <a:solidFill>
-                      <a:srgbClr val="F0F0F0"/>
-                    </a:solidFill>
-                  </a:tcPr>
-                </a:tc>
-              </a:tr>
-              <a:tr h="299752">
-                <a:tc>
-                  <a:txBody>
-                    <a:bodyPr/>
-                    <a:lstStyle/>
-                    <a:p>
-                      <a:pPr algn="ctr" fontAlgn="t"/>
-                      <a:r>
-                        <a:rPr lang="en-US" sz="1200" b="1" i="0" u="none" strike="noStrike">
-                          <a:solidFill>
-                            <a:srgbClr val="002288"/>
-                          </a:solidFill>
-                          <a:effectLst/>
-                          <a:latin typeface="Arial"/>
-                        </a:rPr>
-                        <a:t>/ sq in)</a:t>
-                      </a:r>
-                    </a:p>
-                  </a:txBody>
-                  <a:tcPr marL="0" marR="0" marT="0" marB="0">
-                    <a:lnL w="12700" cap="flat" cmpd="sng" algn="ctr">
-                      <a:solidFill>
-                        <a:srgbClr val="000000"/>
-                      </a:solidFill>
-                      <a:prstDash val="solid"/>
-                      <a:round/>
-                      <a:headEnd type="none" w="med" len="med"/>
-                      <a:tailEnd type="none" w="med" len="med"/>
-                    </a:lnL>
-                    <a:lnR w="12700" cap="flat" cmpd="sng" algn="ctr">
-                      <a:solidFill>
-                        <a:srgbClr val="000000"/>
-                      </a:solidFill>
-                      <a:prstDash val="solid"/>
-                      <a:round/>
-                      <a:headEnd type="none" w="med" len="med"/>
-                      <a:tailEnd type="none" w="med" len="med"/>
-                    </a:lnR>
-                    <a:lnT>
-                      <a:noFill/>
-                    </a:lnT>
-                    <a:lnB w="6350" cap="flat" cmpd="sng" algn="ctr">
-                      <a:solidFill>
-                        <a:srgbClr val="000000"/>
-                      </a:solidFill>
-                      <a:prstDash val="solid"/>
-                      <a:round/>
-                      <a:headEnd type="none" w="med" len="med"/>
-                      <a:tailEnd type="none" w="med" len="med"/>
-                    </a:lnB>
-                    <a:solidFill>
-                      <a:srgbClr val="F0F0F0"/>
-                    </a:solidFill>
-                  </a:tcPr>
-                </a:tc>
-              </a:tr>
-              <a:tr h="299752">
-                <a:tc>
-                  <a:txBody>
-                    <a:bodyPr/>
-                    <a:lstStyle/>
-                    <a:p>
-                      <a:pPr algn="ctr" fontAlgn="t"/>
-                      <a:r>
-                        <a:rPr lang="en-US" sz="1200" b="1" i="0" u="none" strike="noStrike">
-                          <a:solidFill>
-                            <a:srgbClr val="002288"/>
-                          </a:solidFill>
-                          <a:effectLst/>
-                          <a:latin typeface="Arial"/>
-                        </a:rPr>
-                        <a:t>Sum</a:t>
-                      </a:r>
-                    </a:p>
-                  </a:txBody>
-                  <a:tcPr marL="0" marR="0" marT="0" marB="0">
-                    <a:lnL w="12700" cap="flat" cmpd="sng" algn="ctr">
-                      <a:solidFill>
-                        <a:srgbClr val="000000"/>
-                      </a:solidFill>
-                      <a:prstDash val="solid"/>
-                      <a:round/>
-                      <a:headEnd type="none" w="med" len="med"/>
-                      <a:tailEnd type="none" w="med" len="med"/>
-                    </a:lnL>
-                    <a:lnR w="12700" cap="flat" cmpd="sng" algn="ctr">
-                      <a:solidFill>
-                        <a:srgbClr val="000000"/>
-                      </a:solidFill>
-                      <a:prstDash val="solid"/>
-                      <a:round/>
-                      <a:headEnd type="none" w="med" len="med"/>
-                      <a:tailEnd type="none" w="med" len="med"/>
-                    </a:lnR>
-                    <a:lnT w="6350" cap="flat" cmpd="sng" algn="ctr">
-                      <a:solidFill>
-                        <a:srgbClr val="000000"/>
-                      </a:solidFill>
-                      <a:prstDash val="solid"/>
-                      <a:round/>
-                      <a:headEnd type="none" w="med" len="med"/>
-                      <a:tailEnd type="none" w="med" len="med"/>
-                    </a:lnT>
-                    <a:lnB w="6350" cap="flat" cmpd="sng" algn="ctr">
-                      <a:solidFill>
-                        <a:srgbClr val="000000"/>
-                      </a:solidFill>
-                      <a:prstDash val="solid"/>
-                      <a:round/>
-                      <a:headEnd type="none" w="med" len="med"/>
-                      <a:tailEnd type="none" w="med" len="med"/>
-                    </a:lnB>
-                    <a:solidFill>
-                      <a:srgbClr val="F0F0F0"/>
-                    </a:solidFill>
-                  </a:tcPr>
-                </a:tc>
-              </a:tr>
-              <a:tr h="299752">
-                <a:tc>
-                  <a:txBody>
-                    <a:bodyPr/>
-                    <a:lstStyle/>
-                    <a:p>
-                      <a:pPr algn="ctr" fontAlgn="t"/>
-                      <a:r>
-                        <a:rPr lang="en-US" sz="1200" b="0" i="0" u="none" strike="noStrike" dirty="0">
-                          <a:solidFill>
-                            <a:srgbClr val="002288"/>
-                          </a:solidFill>
-                          <a:effectLst/>
-                          <a:latin typeface="Arial"/>
-                        </a:rPr>
-                        <a:t>228453.11</a:t>
-                      </a:r>
-                    </a:p>
-                  </a:txBody>
-                  <a:tcPr marL="0" marR="0" marT="0" marB="0">
-                    <a:lnL w="12700" cap="flat" cmpd="sng" algn="ctr">
-                      <a:solidFill>
-                        <a:srgbClr val="000000"/>
-                      </a:solidFill>
-                      <a:prstDash val="solid"/>
-                      <a:round/>
-                      <a:headEnd type="none" w="med" len="med"/>
-                      <a:tailEnd type="none" w="med" len="med"/>
-                    </a:lnL>
-                    <a:lnR w="12700" cap="flat" cmpd="sng" algn="ctr">
-                      <a:solidFill>
-                        <a:srgbClr val="000000"/>
-                      </a:solidFill>
-                      <a:prstDash val="solid"/>
-                      <a:round/>
-                      <a:headEnd type="none" w="med" len="med"/>
-                      <a:tailEnd type="none" w="med" len="med"/>
-                    </a:lnR>
-                    <a:lnT w="6350" cap="flat" cmpd="sng" algn="ctr">
-                      <a:solidFill>
-                        <a:srgbClr val="000000"/>
-                      </a:solidFill>
-                      <a:prstDash val="solid"/>
-                      <a:round/>
-                      <a:headEnd type="none" w="med" len="med"/>
-                      <a:tailEnd type="none" w="med" len="med"/>
-                    </a:lnT>
-                    <a:lnB w="12700" cap="flat" cmpd="sng" algn="ctr">
-                      <a:solidFill>
-                        <a:srgbClr val="000000"/>
-                      </a:solidFill>
-                      <a:prstDash val="solid"/>
-                      <a:round/>
-                      <a:headEnd type="none" w="med" len="med"/>
-                      <a:tailEnd type="none" w="med" len="med"/>
-                    </a:lnB>
-                    <a:solidFill>
-                      <a:srgbClr val="F0F0F0"/>
-                    </a:solidFill>
-                  </a:tcPr>
-                </a:tc>
-              </a:tr>
-            </a:tbl>
-          </a:graphicData>
-        </a:graphic>
-      </p:graphicFrame>
     </p:spTree>
     <p:extLst>
       <p:ext uri="{BB962C8B-B14F-4D97-AF65-F5344CB8AC3E}">
-        <p14:creationId xmlns:p14="http://schemas.microsoft.com/office/powerpoint/2010/main" val="477626952"/>
+        <p14:creationId xmlns:p14="http://schemas.microsoft.com/office/powerpoint/2010/main" val="714306474"/>
       </p:ext>
     </p:extLst>
   </p:cSld>
